--- a/OSu/Chap06.pptx
+++ b/OSu/Chap06.pptx
@@ -15190,16 +15190,33 @@
               <a:t> machine-language instructions are </a:t>
             </a:r>
             <a:r>
-              <a:rPr lang="en-US" altLang="en-US" sz="2400" dirty="0">
+              <a:rPr lang="en-US" altLang="en-US" sz="2400" dirty="0" smtClean="0">
                 <a:solidFill>
                   <a:srgbClr val="0000FF"/>
                 </a:solidFill>
               </a:rPr>
               <a:t>atomic</a:t>
             </a:r>
+            <a:endParaRPr lang="en-US" altLang="en-US" sz="2400" dirty="0"/>
+          </a:p>
+          <a:p>
+            <a:pPr lvl="1">
+              <a:lnSpc>
+                <a:spcPct val="90000"/>
+              </a:lnSpc>
+              <a:tabLst>
+                <a:tab pos="739775" algn="l"/>
+                <a:tab pos="1020763" algn="l"/>
+                <a:tab pos="1257300" algn="l"/>
+              </a:tabLst>
+            </a:pPr>
+            <a:r>
+              <a:rPr lang="en-US" altLang="en-US" sz="2400" dirty="0" smtClean="0"/>
+              <a:t>Which cannot </a:t>
+            </a:r>
             <a:r>
               <a:rPr lang="en-US" altLang="en-US" sz="2400" dirty="0"/>
-              <a:t>; that is, cannot be interrupted</a:t>
+              <a:t>be interrupted</a:t>
             </a:r>
             <a:endParaRPr lang="en-US" altLang="en-US" sz="1000" dirty="0"/>
           </a:p>
@@ -20991,25 +21008,7 @@
                 </a:solidFill>
                 <a:latin typeface="Courier New" panose="02070309020205020404" pitchFamily="49" charset="0"/>
               </a:rPr>
-              <a:t>flag[1] </a:t>
-            </a:r>
-            <a:r>
-              <a:rPr lang="en-US" altLang="en-US" sz="2000" b="1" dirty="0" smtClean="0">
-                <a:solidFill>
-                  <a:srgbClr val="000000"/>
-                </a:solidFill>
-                <a:latin typeface="Courier New" panose="02070309020205020404" pitchFamily="49" charset="0"/>
-              </a:rPr>
-              <a:t>&amp;&amp; turn 	== </a:t>
-            </a:r>
-            <a:r>
-              <a:rPr lang="en-US" altLang="en-US" sz="2000" b="1" dirty="0" smtClean="0">
-                <a:solidFill>
-                  <a:srgbClr val="000000"/>
-                </a:solidFill>
-                <a:latin typeface="Courier New" panose="02070309020205020404" pitchFamily="49" charset="0"/>
-              </a:rPr>
-              <a:t>1)</a:t>
+              <a:t>flag[1] &amp;&amp; turn 	== 1)</a:t>
             </a:r>
             <a:endParaRPr lang="en-US" altLang="en-US" sz="2000" b="1" dirty="0">
               <a:solidFill>
@@ -21443,16 +21442,7 @@
                 </a:solidFill>
                 <a:latin typeface="Courier New" panose="02070309020205020404" pitchFamily="49" charset="0"/>
               </a:rPr>
-              <a:t>] </a:t>
-            </a:r>
-            <a:r>
-              <a:rPr lang="en-US" altLang="en-US" sz="2000" b="1" dirty="0" smtClean="0">
-                <a:solidFill>
-                  <a:srgbClr val="000000"/>
-                </a:solidFill>
-                <a:latin typeface="Courier New" panose="02070309020205020404" pitchFamily="49" charset="0"/>
-              </a:rPr>
-              <a:t>&amp;&amp; turn 	== </a:t>
+              <a:t>] &amp;&amp; turn 	== </a:t>
             </a:r>
             <a:r>
               <a:rPr lang="en-US" altLang="en-US" sz="2000" b="1" dirty="0" smtClean="0">
@@ -22820,7 +22810,13 @@
           <a:lstStyle/>
           <a:p>
             <a:r>
-              <a:rPr lang="en-US" altLang="en-US" dirty="0"/>
+              <a:rPr lang="en-US" altLang="en-US" dirty="0">
+                <a:solidFill>
+                  <a:schemeClr val="bg1">
+                    <a:lumMod val="75000"/>
+                  </a:schemeClr>
+                </a:solidFill>
+              </a:rPr>
               <a:t>The test_and_set  Instruction </a:t>
             </a:r>
           </a:p>
@@ -23194,7 +23190,13 @@
           <a:p>
             <a:pPr eaLnBrk="1" hangingPunct="1"/>
             <a:r>
-              <a:rPr lang="en-US" altLang="en-US" dirty="0"/>
+              <a:rPr lang="en-US" altLang="en-US" dirty="0">
+                <a:solidFill>
+                  <a:schemeClr val="bg1">
+                    <a:lumMod val="75000"/>
+                  </a:schemeClr>
+                </a:solidFill>
+              </a:rPr>
               <a:t>Solution Using test_and_set()</a:t>
             </a:r>
           </a:p>
@@ -23828,15 +23830,33 @@
           <a:lstStyle/>
           <a:p>
             <a:r>
-              <a:rPr lang="en-US" altLang="en-US" dirty="0"/>
+              <a:rPr lang="en-US" altLang="en-US" dirty="0">
+                <a:solidFill>
+                  <a:schemeClr val="bg1">
+                    <a:lumMod val="75000"/>
+                  </a:schemeClr>
+                </a:solidFill>
+              </a:rPr>
               <a:t>The </a:t>
             </a:r>
             <a:r>
-              <a:rPr lang="en-US" altLang="en-US" dirty="0" err="1"/>
+              <a:rPr lang="en-US" altLang="en-US" dirty="0" err="1">
+                <a:solidFill>
+                  <a:schemeClr val="bg1">
+                    <a:lumMod val="75000"/>
+                  </a:schemeClr>
+                </a:solidFill>
+              </a:rPr>
               <a:t>compare_and_swap</a:t>
             </a:r>
             <a:r>
-              <a:rPr lang="en-US" altLang="en-US" dirty="0"/>
+              <a:rPr lang="en-US" altLang="en-US" dirty="0">
+                <a:solidFill>
+                  <a:schemeClr val="bg1">
+                    <a:lumMod val="75000"/>
+                  </a:schemeClr>
+                </a:solidFill>
+              </a:rPr>
               <a:t>  Instruction </a:t>
             </a:r>
           </a:p>
@@ -24221,14 +24241,32 @@
           <a:p>
             <a:pPr eaLnBrk="1" hangingPunct="1"/>
             <a:r>
-              <a:rPr lang="en-US" altLang="en-US" dirty="0"/>
+              <a:rPr lang="en-US" altLang="en-US" dirty="0">
+                <a:solidFill>
+                  <a:schemeClr val="bg1">
+                    <a:lumMod val="75000"/>
+                  </a:schemeClr>
+                </a:solidFill>
+              </a:rPr>
               <a:t>Solution using </a:t>
             </a:r>
             <a:r>
-              <a:rPr lang="en-US" altLang="en-US" dirty="0" err="1"/>
+              <a:rPr lang="en-US" altLang="en-US" dirty="0" err="1">
+                <a:solidFill>
+                  <a:schemeClr val="bg1">
+                    <a:lumMod val="75000"/>
+                  </a:schemeClr>
+                </a:solidFill>
+              </a:rPr>
               <a:t>compare_and_swap</a:t>
             </a:r>
-            <a:endParaRPr lang="en-US" altLang="en-US" dirty="0"/>
+            <a:endParaRPr lang="en-US" altLang="en-US" dirty="0">
+              <a:solidFill>
+                <a:schemeClr val="bg1">
+                  <a:lumMod val="75000"/>
+                </a:schemeClr>
+              </a:solidFill>
+            </a:endParaRPr>
           </a:p>
         </p:txBody>
       </p:sp>
@@ -24599,7 +24637,13 @@
           <a:lstStyle/>
           <a:p>
             <a:r>
-              <a:rPr lang="en-US" altLang="en-US" sz="2800" dirty="0"/>
+              <a:rPr lang="en-US" altLang="en-US" sz="2800" dirty="0">
+                <a:solidFill>
+                  <a:schemeClr val="bg1">
+                    <a:lumMod val="75000"/>
+                  </a:schemeClr>
+                </a:solidFill>
+              </a:rPr>
               <a:t>Bounded-waiting with compare-and-swap</a:t>
             </a:r>
           </a:p>
@@ -25210,7 +25254,13 @@
           <a:lstStyle/>
           <a:p>
             <a:r>
-              <a:rPr lang="en-US" altLang="en-US" dirty="0"/>
+              <a:rPr lang="en-US" altLang="en-US" dirty="0">
+                <a:solidFill>
+                  <a:schemeClr val="bg1">
+                    <a:lumMod val="75000"/>
+                  </a:schemeClr>
+                </a:solidFill>
+              </a:rPr>
               <a:t>Atomic Variables</a:t>
             </a:r>
           </a:p>
@@ -27538,6 +27588,7 @@
             </a:r>
           </a:p>
           <a:p>
+            <a:pPr lvl="1"/>
             <a:r>
               <a:rPr lang="en-US" altLang="en-US" sz="2400" dirty="0"/>
               <a:t>We illustrated </a:t>
@@ -30450,8 +30501,13 @@
             <a:pPr eaLnBrk="1" hangingPunct="1"/>
             <a:r>
               <a:rPr lang="en-US" altLang="en-US" dirty="0"/>
-              <a:t> Usage of Condition Variable  Example</a:t>
-            </a:r>
+              <a:t> Usage of Condition Variable </a:t>
+            </a:r>
+            <a:r>
+              <a:rPr lang="en-US" altLang="en-US" dirty="0" smtClean="0"/>
+              <a:t>Example</a:t>
+            </a:r>
+            <a:endParaRPr lang="en-US" altLang="en-US" dirty="0"/>
           </a:p>
         </p:txBody>
       </p:sp>
@@ -35133,7 +35189,13 @@
           <a:lstStyle/>
           <a:p>
             <a:r>
-              <a:rPr lang="en-US" altLang="en-US" dirty="0"/>
+              <a:rPr lang="en-US" altLang="en-US" dirty="0">
+                <a:solidFill>
+                  <a:schemeClr val="bg1">
+                    <a:lumMod val="75000"/>
+                  </a:schemeClr>
+                </a:solidFill>
+              </a:rPr>
               <a:t>Liveness</a:t>
             </a:r>
           </a:p>
@@ -35580,7 +35642,13 @@
           <a:lstStyle/>
           <a:p>
             <a:r>
-              <a:rPr lang="en-US" altLang="en-US" dirty="0"/>
+              <a:rPr lang="en-US" altLang="en-US" dirty="0">
+                <a:solidFill>
+                  <a:schemeClr val="bg1">
+                    <a:lumMod val="75000"/>
+                  </a:schemeClr>
+                </a:solidFill>
+              </a:rPr>
               <a:t>Liveness</a:t>
             </a:r>
           </a:p>

--- a/OSu/Chap06.pptx
+++ b/OSu/Chap06.pptx
@@ -33515,7 +33515,9 @@
             <a:r>
               <a:rPr lang="en-US" altLang="en-US" sz="3200" b="1" dirty="0">
                 <a:solidFill>
-                  <a:srgbClr val="006699"/>
+                  <a:schemeClr val="bg1">
+                    <a:lumMod val="75000"/>
+                  </a:schemeClr>
                 </a:solidFill>
                 <a:latin typeface="Arial" panose="020B0604020202020204" pitchFamily="34" charset="0"/>
               </a:rPr>
@@ -33582,7 +33584,13 @@
           <a:p>
             <a:pPr eaLnBrk="1" hangingPunct="1"/>
             <a:r>
-              <a:rPr lang="en-US" altLang="en-US" dirty="0"/>
+              <a:rPr lang="en-US" altLang="en-US" dirty="0">
+                <a:solidFill>
+                  <a:schemeClr val="bg1">
+                    <a:lumMod val="75000"/>
+                  </a:schemeClr>
+                </a:solidFill>
+              </a:rPr>
               <a:t>A Monitor to Allocate Single Resource</a:t>
             </a:r>
           </a:p>
@@ -34173,7 +34181,13 @@
           <a:p>
             <a:pPr eaLnBrk="1" hangingPunct="1"/>
             <a:r>
-              <a:rPr lang="en-US" altLang="en-US" dirty="0"/>
+              <a:rPr lang="en-US" altLang="en-US" dirty="0">
+                <a:solidFill>
+                  <a:schemeClr val="bg1">
+                    <a:lumMod val="75000"/>
+                  </a:schemeClr>
+                </a:solidFill>
+              </a:rPr>
               <a:t>Single Resource Monitor (Cont.)</a:t>
             </a:r>
           </a:p>

--- a/OSu/Chap06.pptx
+++ b/OSu/Chap06.pptx
@@ -461,6 +461,11 @@
         </p:txBody>
       </p:sp>
     </p:spTree>
+    <p:extLst>
+      <p:ext uri="{BB962C8B-B14F-4D97-AF65-F5344CB8AC3E}">
+        <p14:creationId xmlns:p14="http://schemas.microsoft.com/office/powerpoint/2010/main" val="1"/>
+      </p:ext>
+    </p:extLst>
   </p:cSld>
   <p:clrMap bg1="lt1" tx1="dk1" bg2="lt2" tx2="dk2" accent1="accent1" accent2="accent2" accent3="accent3" accent4="accent4" accent5="accent5" accent6="accent6" hlink="hlink" folHlink="folHlink"/>
 </p:handoutMaster>
@@ -15139,12 +15144,8 @@
               </a:tabLst>
             </a:pPr>
             <a:r>
-              <a:rPr lang="en-US" altLang="en-US" sz="2400" dirty="0" smtClean="0"/>
-              <a:t>Two-process </a:t>
-            </a:r>
-            <a:r>
               <a:rPr lang="en-US" altLang="en-US" sz="2400" dirty="0"/>
-              <a:t>solution</a:t>
+              <a:t>Two-process solution</a:t>
             </a:r>
             <a:endParaRPr lang="en-US" altLang="en-US" sz="1000" dirty="0"/>
           </a:p>
@@ -15190,7 +15191,7 @@
               <a:t> machine-language instructions are </a:t>
             </a:r>
             <a:r>
-              <a:rPr lang="en-US" altLang="en-US" sz="2400" dirty="0" smtClean="0">
+              <a:rPr lang="en-US" altLang="en-US" sz="2400" dirty="0">
                 <a:solidFill>
                   <a:srgbClr val="0000FF"/>
                 </a:solidFill>
@@ -15211,12 +15212,8 @@
               </a:tabLst>
             </a:pPr>
             <a:r>
-              <a:rPr lang="en-US" altLang="en-US" sz="2400" dirty="0" smtClean="0"/>
-              <a:t>Which cannot </a:t>
-            </a:r>
-            <a:r>
               <a:rPr lang="en-US" altLang="en-US" sz="2400" dirty="0"/>
-              <a:t>be interrupted</a:t>
+              <a:t>Which cannot be interrupted</a:t>
             </a:r>
             <a:endParaRPr lang="en-US" altLang="en-US" sz="1000" dirty="0"/>
           </a:p>
@@ -15270,7 +15267,7 @@
             </a:endParaRPr>
           </a:p>
           <a:p>
-            <a:pPr>
+            <a:pPr lvl="1">
               <a:lnSpc>
                 <a:spcPct val="90000"/>
               </a:lnSpc>
@@ -15509,25 +15506,7 @@
                 </a:solidFill>
                 <a:latin typeface="Courier New" panose="02070309020205020404" pitchFamily="49" charset="0"/>
               </a:rPr>
-              <a:t>	while (turn </a:t>
-            </a:r>
-            <a:r>
-              <a:rPr lang="en-US" altLang="en-US" sz="2400" b="1" dirty="0" smtClean="0">
-                <a:solidFill>
-                  <a:srgbClr val="000000"/>
-                </a:solidFill>
-                <a:latin typeface="Courier New" panose="02070309020205020404" pitchFamily="49" charset="0"/>
-              </a:rPr>
-              <a:t>== </a:t>
-            </a:r>
-            <a:r>
-              <a:rPr lang="en-US" altLang="en-US" sz="2400" b="1" dirty="0">
-                <a:solidFill>
-                  <a:srgbClr val="000000"/>
-                </a:solidFill>
-                <a:latin typeface="Courier New" panose="02070309020205020404" pitchFamily="49" charset="0"/>
-              </a:rPr>
-              <a:t>j)</a:t>
+              <a:t>	while (turn == j)</a:t>
             </a:r>
           </a:p>
           <a:p>
@@ -15872,19 +15851,10 @@
                 </a:solidFill>
                 <a:latin typeface="Courier New" panose="02070309020205020404" pitchFamily="49" charset="0"/>
               </a:rPr>
-              <a:t>while (true</a:t>
-            </a:r>
-            <a:r>
-              <a:rPr lang="en-US" altLang="en-US" sz="2400" dirty="0" smtClean="0">
-                <a:solidFill>
-                  <a:srgbClr val="000000"/>
-                </a:solidFill>
-                <a:latin typeface="Courier New" panose="02070309020205020404" pitchFamily="49" charset="0"/>
-              </a:rPr>
-              <a:t>)</a:t>
+              <a:t>while (true)</a:t>
             </a:r>
             <a:br>
-              <a:rPr lang="en-US" altLang="en-US" sz="2400" dirty="0" smtClean="0">
+              <a:rPr lang="en-US" altLang="en-US" sz="2400" dirty="0">
                 <a:solidFill>
                   <a:srgbClr val="000000"/>
                 </a:solidFill>
@@ -15892,7 +15862,7 @@
               </a:rPr>
             </a:br>
             <a:r>
-              <a:rPr lang="en-US" altLang="en-US" sz="2400" dirty="0" smtClean="0">
+              <a:rPr lang="en-US" altLang="en-US" sz="2400" dirty="0">
                 <a:solidFill>
                   <a:srgbClr val="000000"/>
                 </a:solidFill>
@@ -15900,12 +15870,6 @@
               </a:rPr>
               <a:t>{ </a:t>
             </a:r>
-            <a:endParaRPr lang="en-US" altLang="en-US" sz="2400" dirty="0">
-              <a:solidFill>
-                <a:srgbClr val="000000"/>
-              </a:solidFill>
-              <a:latin typeface="Courier New" panose="02070309020205020404" pitchFamily="49" charset="0"/>
-            </a:endParaRPr>
           </a:p>
           <a:p>
             <a:pPr>
@@ -15952,25 +15916,7 @@
                 </a:solidFill>
                 <a:latin typeface="Courier New" panose="02070309020205020404" pitchFamily="49" charset="0"/>
               </a:rPr>
-              <a:t>	while (turn </a:t>
-            </a:r>
-            <a:r>
-              <a:rPr lang="en-US" altLang="en-US" sz="2400" b="1" dirty="0" smtClean="0">
-                <a:solidFill>
-                  <a:srgbClr val="000000"/>
-                </a:solidFill>
-                <a:latin typeface="Courier New" panose="02070309020205020404" pitchFamily="49" charset="0"/>
-              </a:rPr>
-              <a:t>== </a:t>
-            </a:r>
-            <a:r>
-              <a:rPr lang="en-US" altLang="en-US" sz="2400" b="1" dirty="0">
-                <a:solidFill>
-                  <a:srgbClr val="000000"/>
-                </a:solidFill>
-                <a:latin typeface="Courier New" panose="02070309020205020404" pitchFamily="49" charset="0"/>
-              </a:rPr>
-              <a:t>j)</a:t>
+              <a:t>	while (turn == j)</a:t>
             </a:r>
           </a:p>
           <a:p>
@@ -16075,23 +16021,8 @@
                 </a:solidFill>
                 <a:latin typeface="Courier New" panose="02070309020205020404" pitchFamily="49" charset="0"/>
               </a:rPr>
-              <a:t> </a:t>
-            </a:r>
-            <a:r>
-              <a:rPr lang="en-US" altLang="en-US" sz="2400" dirty="0" smtClean="0">
-                <a:solidFill>
-                  <a:srgbClr val="000000"/>
-                </a:solidFill>
-                <a:latin typeface="Courier New" panose="02070309020205020404" pitchFamily="49" charset="0"/>
-              </a:rPr>
-              <a:t>}</a:t>
-            </a:r>
-            <a:endParaRPr lang="en-US" altLang="en-US" sz="2400" dirty="0">
-              <a:solidFill>
-                <a:srgbClr val="000000"/>
-              </a:solidFill>
-              <a:latin typeface="Courier New" panose="02070309020205020404" pitchFamily="49" charset="0"/>
-            </a:endParaRPr>
+              <a:t> }</a:t>
+            </a:r>
           </a:p>
         </p:txBody>
       </p:sp>
@@ -16121,11 +16052,11 @@
               <a:t>Algorithm for Process </a:t>
             </a:r>
             <a:r>
-              <a:rPr lang="en-US" altLang="en-US" i="1" dirty="0" smtClean="0"/>
+              <a:rPr lang="en-US" altLang="en-US" i="1" dirty="0"/>
               <a:t>P</a:t>
             </a:r>
             <a:r>
-              <a:rPr lang="en-US" altLang="en-US" baseline="-25000" dirty="0" smtClean="0">
+              <a:rPr lang="en-US" altLang="en-US" baseline="-25000" dirty="0">
                 <a:solidFill>
                   <a:srgbClr val="0000FF"/>
                 </a:solidFill>
@@ -16137,15 +16068,15 @@
               <a:t> </a:t>
             </a:r>
             <a:r>
-              <a:rPr lang="en-US" altLang="en-US" dirty="0" smtClean="0"/>
+              <a:rPr lang="en-US" altLang="en-US" dirty="0"/>
               <a:t>and </a:t>
             </a:r>
             <a:r>
-              <a:rPr lang="en-US" altLang="en-US" i="1" dirty="0" err="1" smtClean="0"/>
+              <a:rPr lang="en-US" altLang="en-US" i="1" dirty="0" err="1"/>
               <a:t>P</a:t>
             </a:r>
             <a:r>
-              <a:rPr lang="en-US" altLang="en-US" baseline="-25000" dirty="0" err="1" smtClean="0">
+              <a:rPr lang="en-US" altLang="en-US" baseline="-25000" dirty="0" err="1">
                 <a:solidFill>
                   <a:srgbClr val="0000FF"/>
                 </a:solidFill>
@@ -16319,10 +16250,93 @@
                 </a:solidFill>
                 <a:latin typeface="Courier New" panose="02070309020205020404" pitchFamily="49" charset="0"/>
               </a:rPr>
-              <a:t>while (true</a:t>
-            </a:r>
-            <a:r>
-              <a:rPr lang="en-US" altLang="en-US" sz="2400" dirty="0" smtClean="0">
+              <a:t>while (true)</a:t>
+            </a:r>
+            <a:br>
+              <a:rPr lang="en-US" altLang="en-US" sz="2400" dirty="0">
+                <a:solidFill>
+                  <a:srgbClr val="000000"/>
+                </a:solidFill>
+                <a:latin typeface="Courier New" panose="02070309020205020404" pitchFamily="49" charset="0"/>
+              </a:rPr>
+            </a:br>
+            <a:r>
+              <a:rPr lang="en-US" altLang="en-US" sz="2400" dirty="0">
+                <a:solidFill>
+                  <a:srgbClr val="000000"/>
+                </a:solidFill>
+                <a:latin typeface="Courier New" panose="02070309020205020404" pitchFamily="49" charset="0"/>
+              </a:rPr>
+              <a:t>{</a:t>
+            </a:r>
+            <a:r>
+              <a:rPr lang="en-US" altLang="en-US" sz="2400" b="1" dirty="0">
+                <a:solidFill>
+                  <a:srgbClr val="000000"/>
+                </a:solidFill>
+                <a:latin typeface="Courier New" panose="02070309020205020404" pitchFamily="49" charset="0"/>
+              </a:rPr>
+              <a:t> </a:t>
+            </a:r>
+          </a:p>
+          <a:p>
+            <a:pPr>
+              <a:buFont typeface="Monotype Sorts" pitchFamily="-84" charset="2"/>
+              <a:buNone/>
+            </a:pPr>
+            <a:r>
+              <a:rPr lang="en-US" altLang="en-US" sz="2400" b="1" dirty="0">
+                <a:solidFill>
+                  <a:srgbClr val="000000"/>
+                </a:solidFill>
+                <a:latin typeface="Courier New" panose="02070309020205020404" pitchFamily="49" charset="0"/>
+              </a:rPr>
+              <a:t>	turn = </a:t>
+            </a:r>
+            <a:r>
+              <a:rPr lang="en-US" altLang="en-US" sz="2400" b="1" dirty="0">
+                <a:solidFill>
+                  <a:srgbClr val="0000FF"/>
+                </a:solidFill>
+                <a:latin typeface="Courier New" panose="02070309020205020404" pitchFamily="49" charset="0"/>
+              </a:rPr>
+              <a:t>j</a:t>
+            </a:r>
+            <a:r>
+              <a:rPr lang="en-US" altLang="en-US" sz="2400" b="1" dirty="0">
+                <a:solidFill>
+                  <a:srgbClr val="000000"/>
+                </a:solidFill>
+                <a:latin typeface="Courier New" panose="02070309020205020404" pitchFamily="49" charset="0"/>
+              </a:rPr>
+              <a:t>; </a:t>
+            </a:r>
+          </a:p>
+          <a:p>
+            <a:pPr>
+              <a:buFont typeface="Monotype Sorts" pitchFamily="-84" charset="2"/>
+              <a:buNone/>
+            </a:pPr>
+            <a:r>
+              <a:rPr lang="en-US" altLang="en-US" sz="2400" b="1" dirty="0">
+                <a:solidFill>
+                  <a:srgbClr val="000000"/>
+                </a:solidFill>
+                <a:latin typeface="Courier New" panose="02070309020205020404" pitchFamily="49" charset="0"/>
+              </a:rPr>
+              <a:t>	while (turn == </a:t>
+            </a:r>
+            <a:r>
+              <a:rPr lang="en-US" altLang="en-US" sz="2400" b="1" dirty="0" err="1">
+                <a:solidFill>
+                  <a:srgbClr val="0000FF"/>
+                </a:solidFill>
+                <a:latin typeface="Courier New" panose="02070309020205020404" pitchFamily="49" charset="0"/>
+              </a:rPr>
+              <a:t>i</a:t>
+            </a:r>
+            <a:r>
+              <a:rPr lang="en-US" altLang="en-US" sz="2400" b="1" dirty="0">
                 <a:solidFill>
                   <a:srgbClr val="000000"/>
                 </a:solidFill>
@@ -16330,32 +16344,84 @@
               </a:rPr>
               <a:t>)</a:t>
             </a:r>
-            <a:br>
-              <a:rPr lang="en-US" altLang="en-US" sz="2400" dirty="0" smtClean="0">
-                <a:solidFill>
-                  <a:srgbClr val="000000"/>
-                </a:solidFill>
-                <a:latin typeface="Courier New" panose="02070309020205020404" pitchFamily="49" charset="0"/>
-              </a:rPr>
-            </a:br>
-            <a:r>
-              <a:rPr lang="en-US" altLang="en-US" sz="2400" dirty="0" smtClean="0">
-                <a:solidFill>
-                  <a:srgbClr val="000000"/>
-                </a:solidFill>
-                <a:latin typeface="Courier New" panose="02070309020205020404" pitchFamily="49" charset="0"/>
-              </a:rPr>
-              <a:t>{</a:t>
-            </a:r>
-            <a:r>
-              <a:rPr lang="en-US" altLang="en-US" sz="2400" b="1" dirty="0" smtClean="0">
-                <a:solidFill>
-                  <a:srgbClr val="000000"/>
-                </a:solidFill>
-                <a:latin typeface="Courier New" panose="02070309020205020404" pitchFamily="49" charset="0"/>
-              </a:rPr>
-              <a:t> </a:t>
-            </a:r>
+          </a:p>
+          <a:p>
+            <a:pPr>
+              <a:buFont typeface="Monotype Sorts" pitchFamily="-84" charset="2"/>
+              <a:buNone/>
+            </a:pPr>
+            <a:r>
+              <a:rPr lang="en-US" altLang="en-US" sz="2400" b="1" dirty="0">
+                <a:solidFill>
+                  <a:srgbClr val="000000"/>
+                </a:solidFill>
+                <a:latin typeface="Courier New" panose="02070309020205020404" pitchFamily="49" charset="0"/>
+              </a:rPr>
+              <a:t>		;</a:t>
+            </a:r>
+          </a:p>
+          <a:p>
+            <a:pPr>
+              <a:buFont typeface="Monotype Sorts" pitchFamily="-84" charset="2"/>
+              <a:buNone/>
+            </a:pPr>
+            <a:r>
+              <a:rPr lang="en-US" altLang="en-US" sz="2400" b="1" dirty="0">
+                <a:solidFill>
+                  <a:srgbClr val="000000"/>
+                </a:solidFill>
+                <a:latin typeface="Courier New" panose="02070309020205020404" pitchFamily="49" charset="0"/>
+              </a:rPr>
+              <a:t>	</a:t>
+            </a:r>
+            <a:r>
+              <a:rPr lang="en-US" altLang="en-US" sz="2400" dirty="0">
+                <a:solidFill>
+                  <a:srgbClr val="000000"/>
+                </a:solidFill>
+                <a:latin typeface="Courier New" panose="02070309020205020404" pitchFamily="49" charset="0"/>
+              </a:rPr>
+              <a:t>/* critical section */</a:t>
+            </a:r>
+          </a:p>
+          <a:p>
+            <a:pPr>
+              <a:buFont typeface="Monotype Sorts" pitchFamily="-84" charset="2"/>
+              <a:buNone/>
+            </a:pPr>
+            <a:r>
+              <a:rPr lang="en-US" altLang="en-US" sz="2400" b="1" dirty="0">
+                <a:solidFill>
+                  <a:srgbClr val="000000"/>
+                </a:solidFill>
+                <a:latin typeface="Courier New" panose="02070309020205020404" pitchFamily="49" charset="0"/>
+              </a:rPr>
+              <a:t> 	turn = </a:t>
+            </a:r>
+            <a:r>
+              <a:rPr lang="en-US" altLang="en-US" sz="2400" b="1" dirty="0" err="1">
+                <a:solidFill>
+                  <a:srgbClr val="0000FF"/>
+                </a:solidFill>
+                <a:latin typeface="Courier New" panose="02070309020205020404" pitchFamily="49" charset="0"/>
+              </a:rPr>
+              <a:t>i</a:t>
+            </a:r>
+            <a:r>
+              <a:rPr lang="en-US" altLang="en-US" sz="2400" b="1" dirty="0">
+                <a:solidFill>
+                  <a:srgbClr val="000000"/>
+                </a:solidFill>
+                <a:latin typeface="Courier New" panose="02070309020205020404" pitchFamily="49" charset="0"/>
+              </a:rPr>
+              <a:t>;</a:t>
+            </a:r>
+          </a:p>
+          <a:p>
+            <a:pPr>
+              <a:buFont typeface="Monotype Sorts" pitchFamily="-84" charset="2"/>
+              <a:buNone/>
+            </a:pPr>
             <a:endParaRPr lang="en-US" altLang="en-US" sz="2400" b="1" dirty="0">
               <a:solidFill>
                 <a:srgbClr val="000000"/>
@@ -16375,32 +16441,17 @@
                 </a:solidFill>
                 <a:latin typeface="Courier New" panose="02070309020205020404" pitchFamily="49" charset="0"/>
               </a:rPr>
-              <a:t>	turn = </a:t>
-            </a:r>
-            <a:r>
-              <a:rPr lang="en-US" altLang="en-US" sz="2400" b="1" dirty="0" smtClean="0">
-                <a:solidFill>
-                  <a:srgbClr val="0000FF"/>
-                </a:solidFill>
-                <a:latin typeface="Courier New" panose="02070309020205020404" pitchFamily="49" charset="0"/>
-              </a:rPr>
-              <a:t>j</a:t>
-            </a:r>
-            <a:r>
-              <a:rPr lang="en-US" altLang="en-US" sz="2400" b="1" dirty="0" smtClean="0">
-                <a:solidFill>
-                  <a:srgbClr val="000000"/>
-                </a:solidFill>
-                <a:latin typeface="Courier New" panose="02070309020205020404" pitchFamily="49" charset="0"/>
-              </a:rPr>
-              <a:t>; </a:t>
-            </a:r>
-            <a:endParaRPr lang="en-US" altLang="en-US" sz="2400" b="1" dirty="0">
-              <a:solidFill>
-                <a:srgbClr val="000000"/>
-              </a:solidFill>
-              <a:latin typeface="Courier New" panose="02070309020205020404" pitchFamily="49" charset="0"/>
-            </a:endParaRPr>
+              <a:t>	</a:t>
+            </a:r>
+            <a:r>
+              <a:rPr lang="en-US" altLang="en-US" sz="2400" dirty="0">
+                <a:solidFill>
+                  <a:srgbClr val="000000"/>
+                </a:solidFill>
+                <a:latin typeface="Courier New" panose="02070309020205020404" pitchFamily="49" charset="0"/>
+              </a:rPr>
+              <a:t>/* remainder section */</a:t>
+            </a:r>
           </a:p>
           <a:p>
             <a:pPr>
@@ -16408,191 +16459,14 @@
               <a:buNone/>
             </a:pPr>
             <a:r>
-              <a:rPr lang="en-US" altLang="en-US" sz="2400" b="1" dirty="0">
-                <a:solidFill>
-                  <a:srgbClr val="000000"/>
-                </a:solidFill>
-                <a:latin typeface="Courier New" panose="02070309020205020404" pitchFamily="49" charset="0"/>
-              </a:rPr>
-              <a:t>	while (turn </a:t>
-            </a:r>
-            <a:r>
-              <a:rPr lang="en-US" altLang="en-US" sz="2400" b="1" dirty="0" smtClean="0">
-                <a:solidFill>
-                  <a:srgbClr val="000000"/>
-                </a:solidFill>
-                <a:latin typeface="Courier New" panose="02070309020205020404" pitchFamily="49" charset="0"/>
-              </a:rPr>
-              <a:t>== </a:t>
-            </a:r>
-            <a:r>
-              <a:rPr lang="en-US" altLang="en-US" sz="2400" b="1" dirty="0" err="1" smtClean="0">
-                <a:solidFill>
-                  <a:srgbClr val="0000FF"/>
-                </a:solidFill>
-                <a:latin typeface="Courier New" panose="02070309020205020404" pitchFamily="49" charset="0"/>
-              </a:rPr>
-              <a:t>i</a:t>
-            </a:r>
-            <a:r>
-              <a:rPr lang="en-US" altLang="en-US" sz="2400" b="1" dirty="0" smtClean="0">
-                <a:solidFill>
-                  <a:srgbClr val="000000"/>
-                </a:solidFill>
-                <a:latin typeface="Courier New" panose="02070309020205020404" pitchFamily="49" charset="0"/>
-              </a:rPr>
-              <a:t>)</a:t>
-            </a:r>
-            <a:endParaRPr lang="en-US" altLang="en-US" sz="2400" b="1" dirty="0">
-              <a:solidFill>
-                <a:srgbClr val="000000"/>
-              </a:solidFill>
-              <a:latin typeface="Courier New" panose="02070309020205020404" pitchFamily="49" charset="0"/>
-            </a:endParaRPr>
-          </a:p>
-          <a:p>
-            <a:pPr>
-              <a:buFont typeface="Monotype Sorts" pitchFamily="-84" charset="2"/>
-              <a:buNone/>
-            </a:pPr>
-            <a:r>
-              <a:rPr lang="en-US" altLang="en-US" sz="2400" b="1" dirty="0">
-                <a:solidFill>
-                  <a:srgbClr val="000000"/>
-                </a:solidFill>
-                <a:latin typeface="Courier New" panose="02070309020205020404" pitchFamily="49" charset="0"/>
-              </a:rPr>
-              <a:t>		;</a:t>
-            </a:r>
-          </a:p>
-          <a:p>
-            <a:pPr>
-              <a:buFont typeface="Monotype Sorts" pitchFamily="-84" charset="2"/>
-              <a:buNone/>
-            </a:pPr>
-            <a:r>
-              <a:rPr lang="en-US" altLang="en-US" sz="2400" b="1" dirty="0">
-                <a:solidFill>
-                  <a:srgbClr val="000000"/>
-                </a:solidFill>
-                <a:latin typeface="Courier New" panose="02070309020205020404" pitchFamily="49" charset="0"/>
-              </a:rPr>
-              <a:t>	</a:t>
-            </a:r>
-            <a:r>
               <a:rPr lang="en-US" altLang="en-US" sz="2400" dirty="0">
                 <a:solidFill>
                   <a:srgbClr val="000000"/>
                 </a:solidFill>
                 <a:latin typeface="Courier New" panose="02070309020205020404" pitchFamily="49" charset="0"/>
               </a:rPr>
-              <a:t>/* critical section */</a:t>
-            </a:r>
-          </a:p>
-          <a:p>
-            <a:pPr>
-              <a:buFont typeface="Monotype Sorts" pitchFamily="-84" charset="2"/>
-              <a:buNone/>
-            </a:pPr>
-            <a:r>
-              <a:rPr lang="en-US" altLang="en-US" sz="2400" b="1" dirty="0">
-                <a:solidFill>
-                  <a:srgbClr val="000000"/>
-                </a:solidFill>
-                <a:latin typeface="Courier New" panose="02070309020205020404" pitchFamily="49" charset="0"/>
-              </a:rPr>
-              <a:t> 	turn = </a:t>
-            </a:r>
-            <a:r>
-              <a:rPr lang="en-US" altLang="en-US" sz="2400" b="1" dirty="0" err="1" smtClean="0">
-                <a:solidFill>
-                  <a:srgbClr val="0000FF"/>
-                </a:solidFill>
-                <a:latin typeface="Courier New" panose="02070309020205020404" pitchFamily="49" charset="0"/>
-              </a:rPr>
-              <a:t>i</a:t>
-            </a:r>
-            <a:r>
-              <a:rPr lang="en-US" altLang="en-US" sz="2400" b="1" dirty="0" smtClean="0">
-                <a:solidFill>
-                  <a:srgbClr val="000000"/>
-                </a:solidFill>
-                <a:latin typeface="Courier New" panose="02070309020205020404" pitchFamily="49" charset="0"/>
-              </a:rPr>
-              <a:t>;</a:t>
-            </a:r>
-            <a:endParaRPr lang="en-US" altLang="en-US" sz="2400" b="1" dirty="0">
-              <a:solidFill>
-                <a:srgbClr val="000000"/>
-              </a:solidFill>
-              <a:latin typeface="Courier New" panose="02070309020205020404" pitchFamily="49" charset="0"/>
-            </a:endParaRPr>
-          </a:p>
-          <a:p>
-            <a:pPr>
-              <a:buFont typeface="Monotype Sorts" pitchFamily="-84" charset="2"/>
-              <a:buNone/>
-            </a:pPr>
-            <a:endParaRPr lang="en-US" altLang="en-US" sz="2400" b="1" dirty="0">
-              <a:solidFill>
-                <a:srgbClr val="000000"/>
-              </a:solidFill>
-              <a:latin typeface="Courier New" panose="02070309020205020404" pitchFamily="49" charset="0"/>
-            </a:endParaRPr>
-          </a:p>
-          <a:p>
-            <a:pPr>
-              <a:buFont typeface="Monotype Sorts" pitchFamily="-84" charset="2"/>
-              <a:buNone/>
-            </a:pPr>
-            <a:r>
-              <a:rPr lang="en-US" altLang="en-US" sz="2400" b="1" dirty="0">
-                <a:solidFill>
-                  <a:srgbClr val="000000"/>
-                </a:solidFill>
-                <a:latin typeface="Courier New" panose="02070309020205020404" pitchFamily="49" charset="0"/>
-              </a:rPr>
-              <a:t>	</a:t>
-            </a:r>
-            <a:r>
-              <a:rPr lang="en-US" altLang="en-US" sz="2400" dirty="0">
-                <a:solidFill>
-                  <a:srgbClr val="000000"/>
-                </a:solidFill>
-                <a:latin typeface="Courier New" panose="02070309020205020404" pitchFamily="49" charset="0"/>
-              </a:rPr>
-              <a:t>/* remainder section */</a:t>
-            </a:r>
-          </a:p>
-          <a:p>
-            <a:pPr>
-              <a:buFont typeface="Monotype Sorts" pitchFamily="-84" charset="2"/>
-              <a:buNone/>
-            </a:pPr>
-            <a:r>
-              <a:rPr lang="en-US" altLang="en-US" sz="2400" dirty="0">
-                <a:solidFill>
-                  <a:srgbClr val="000000"/>
-                </a:solidFill>
-                <a:latin typeface="Courier New" panose="02070309020205020404" pitchFamily="49" charset="0"/>
-              </a:rPr>
-              <a:t> </a:t>
-            </a:r>
-            <a:r>
-              <a:rPr lang="en-US" altLang="en-US" sz="2400" dirty="0" smtClean="0">
-                <a:solidFill>
-                  <a:srgbClr val="000000"/>
-                </a:solidFill>
-                <a:latin typeface="Courier New" panose="02070309020205020404" pitchFamily="49" charset="0"/>
-              </a:rPr>
-              <a:t>}</a:t>
-            </a:r>
-            <a:endParaRPr lang="en-US" altLang="en-US" sz="2400" dirty="0">
-              <a:solidFill>
-                <a:srgbClr val="000000"/>
-              </a:solidFill>
-              <a:latin typeface="Courier New" panose="02070309020205020404" pitchFamily="49" charset="0"/>
-            </a:endParaRPr>
+              <a:t> }</a:t>
+            </a:r>
           </a:p>
         </p:txBody>
       </p:sp>
@@ -16943,15 +16817,7 @@
                   <a:srgbClr val="000000"/>
                 </a:solidFill>
               </a:rPr>
-              <a:t>What about the Progress requirement</a:t>
-            </a:r>
-            <a:r>
-              <a:rPr lang="en-US" altLang="en-US" sz="2400" dirty="0" smtClean="0">
-                <a:solidFill>
-                  <a:srgbClr val="000000"/>
-                </a:solidFill>
-              </a:rPr>
-              <a:t>?</a:t>
+              <a:t>What about the Progress requirement?</a:t>
             </a:r>
           </a:p>
           <a:p>
@@ -17016,70 +16882,38 @@
               <a:t>i</a:t>
             </a:r>
             <a:r>
-              <a:rPr lang="en-US" altLang="en-US" sz="2400" dirty="0" smtClean="0">
-                <a:solidFill>
-                  <a:srgbClr val="000000"/>
-                </a:solidFill>
-              </a:rPr>
-              <a:t>) </a:t>
-            </a:r>
-            <a:r>
               <a:rPr lang="en-US" altLang="en-US" sz="2400" dirty="0">
                 <a:solidFill>
                   <a:srgbClr val="000000"/>
                 </a:solidFill>
               </a:rPr>
-              <a:t>and then entering </a:t>
-            </a:r>
-            <a:r>
-              <a:rPr lang="en-US" altLang="en-US" sz="2400" dirty="0" smtClean="0">
-                <a:solidFill>
-                  <a:srgbClr val="000000"/>
-                </a:solidFill>
-              </a:rPr>
-              <a:t>again (by </a:t>
+              <a:t>) and then entering again (by setting turn=j) </a:t>
             </a:r>
             <a:r>
               <a:rPr lang="en-US" altLang="en-US" sz="2400" dirty="0">
                 <a:solidFill>
-                  <a:srgbClr val="000000"/>
-                </a:solidFill>
-              </a:rPr>
-              <a:t>setting turn=j) </a:t>
+                  <a:srgbClr val="0000FF"/>
+                </a:solidFill>
+              </a:rPr>
+              <a:t>before</a:t>
             </a:r>
             <a:r>
               <a:rPr lang="en-US" altLang="en-US" sz="2400" dirty="0">
                 <a:solidFill>
-                  <a:srgbClr val="0000FF"/>
-                </a:solidFill>
-              </a:rPr>
-              <a:t>before</a:t>
-            </a:r>
+                  <a:srgbClr val="000000"/>
+                </a:solidFill>
+              </a:rPr>
+              <a:t> Pi could proceed</a:t>
+            </a:r>
+          </a:p>
+          <a:p>
             <a:r>
               <a:rPr lang="en-US" altLang="en-US" sz="2400" dirty="0">
                 <a:solidFill>
                   <a:srgbClr val="000000"/>
                 </a:solidFill>
               </a:rPr>
-              <a:t> Pi could proceed</a:t>
-            </a:r>
-          </a:p>
-          <a:p>
-            <a:r>
-              <a:rPr lang="en-US" altLang="en-US" sz="2400" dirty="0" smtClean="0">
-                <a:solidFill>
-                  <a:srgbClr val="000000"/>
-                </a:solidFill>
-              </a:rPr>
-              <a:t>What </a:t>
-            </a:r>
-            <a:r>
-              <a:rPr lang="en-US" altLang="en-US" sz="2400" dirty="0">
-                <a:solidFill>
-                  <a:srgbClr val="000000"/>
-                </a:solidFill>
-              </a:rPr>
-              <a:t>about the Bounded-waiting requirement?</a:t>
+              <a:t>What about the Bounded-waiting requirement?</a:t>
             </a:r>
             <a:endParaRPr lang="en-US" altLang="en-US" sz="2000" dirty="0">
               <a:solidFill>
@@ -17203,12 +17037,8 @@
               </a:tabLst>
             </a:pPr>
             <a:r>
-              <a:rPr lang="en-US" altLang="en-US" sz="2400" dirty="0" smtClean="0"/>
-              <a:t>Two-process </a:t>
-            </a:r>
-            <a:r>
               <a:rPr lang="en-US" altLang="en-US" sz="2400" dirty="0"/>
-              <a:t>solution</a:t>
+              <a:t>Two-process solution</a:t>
             </a:r>
             <a:endParaRPr lang="en-US" altLang="en-US" sz="1000" dirty="0"/>
           </a:p>
@@ -17324,7 +17154,7 @@
             </a:r>
           </a:p>
           <a:p>
-            <a:pPr>
+            <a:pPr lvl="1">
               <a:lnSpc>
                 <a:spcPct val="90000"/>
               </a:lnSpc>
@@ -17335,20 +17165,12 @@
               </a:tabLst>
             </a:pPr>
             <a:r>
-              <a:rPr lang="en-US" altLang="en-US" sz="2400" dirty="0" smtClean="0">
-                <a:solidFill>
-                  <a:srgbClr val="000000"/>
-                </a:solidFill>
-              </a:rPr>
-              <a:t>The </a:t>
-            </a:r>
-            <a:r>
               <a:rPr lang="en-US" altLang="en-US" sz="2400" dirty="0">
                 <a:solidFill>
                   <a:srgbClr val="000000"/>
                 </a:solidFill>
               </a:rPr>
-              <a:t>variable </a:t>
+              <a:t>The variable </a:t>
             </a:r>
             <a:r>
               <a:rPr lang="en-US" altLang="en-US" sz="2800" b="1" dirty="0">
@@ -17371,7 +17193,7 @@
             </a:endParaRPr>
           </a:p>
           <a:p>
-            <a:pPr>
+            <a:pPr lvl="1">
               <a:lnSpc>
                 <a:spcPct val="90000"/>
               </a:lnSpc>
@@ -17417,24 +17239,11 @@
                   <a:srgbClr val="000000"/>
                 </a:solidFill>
               </a:rPr>
-              <a:t> to enter the critical </a:t>
-            </a:r>
-            <a:r>
-              <a:rPr lang="en-US" altLang="en-US" sz="2400" dirty="0" smtClean="0">
-                <a:solidFill>
-                  <a:srgbClr val="000000"/>
-                </a:solidFill>
-              </a:rPr>
-              <a:t>section</a:t>
-            </a:r>
-            <a:endParaRPr lang="en-US" altLang="en-US" sz="2400" dirty="0">
-              <a:solidFill>
-                <a:srgbClr val="000000"/>
-              </a:solidFill>
-            </a:endParaRPr>
-          </a:p>
-          <a:p>
-            <a:pPr lvl="1">
+              <a:t> to enter the critical section</a:t>
+            </a:r>
+          </a:p>
+          <a:p>
+            <a:pPr lvl="2">
               <a:lnSpc>
                 <a:spcPct val="90000"/>
               </a:lnSpc>
@@ -17644,23 +17453,8 @@
                 </a:solidFill>
                 <a:latin typeface="Courier New" panose="02070309020205020404" pitchFamily="49" charset="0"/>
               </a:rPr>
-              <a:t>while (true</a:t>
-            </a:r>
-            <a:r>
-              <a:rPr lang="en-US" altLang="en-US" sz="2000" dirty="0" smtClean="0">
-                <a:solidFill>
-                  <a:srgbClr val="000000"/>
-                </a:solidFill>
-                <a:latin typeface="Courier New" panose="02070309020205020404" pitchFamily="49" charset="0"/>
-              </a:rPr>
-              <a:t>) { </a:t>
-            </a:r>
-            <a:endParaRPr lang="en-US" altLang="en-US" sz="2000" dirty="0">
-              <a:solidFill>
-                <a:srgbClr val="000000"/>
-              </a:solidFill>
-              <a:latin typeface="Courier New" panose="02070309020205020404" pitchFamily="49" charset="0"/>
-            </a:endParaRPr>
+              <a:t>while (true) { </a:t>
+            </a:r>
           </a:p>
           <a:p>
             <a:pPr>
@@ -17761,25 +17555,7 @@
                 </a:solidFill>
                 <a:latin typeface="Courier New" panose="02070309020205020404" pitchFamily="49" charset="0"/>
               </a:rPr>
-              <a:t> &amp;&amp; turn </a:t>
-            </a:r>
-            <a:r>
-              <a:rPr lang="en-US" altLang="en-US" sz="2000" b="1" dirty="0" smtClean="0">
-                <a:solidFill>
-                  <a:srgbClr val="000000"/>
-                </a:solidFill>
-                <a:latin typeface="Courier New" panose="02070309020205020404" pitchFamily="49" charset="0"/>
-              </a:rPr>
-              <a:t>== </a:t>
-            </a:r>
-            <a:r>
-              <a:rPr lang="en-US" altLang="en-US" sz="2000" b="1" dirty="0">
-                <a:solidFill>
-                  <a:srgbClr val="000000"/>
-                </a:solidFill>
-                <a:latin typeface="Courier New" panose="02070309020205020404" pitchFamily="49" charset="0"/>
-              </a:rPr>
-              <a:t>j)</a:t>
+              <a:t> &amp;&amp; turn == j)</a:t>
             </a:r>
           </a:p>
           <a:p>
@@ -17824,22 +17600,13 @@
               <a:t>	</a:t>
             </a:r>
             <a:r>
-              <a:rPr lang="en-US" altLang="en-US" sz="2000" dirty="0" smtClean="0">
-                <a:solidFill>
-                  <a:srgbClr val="000000"/>
-                </a:solidFill>
-                <a:latin typeface="Courier New" panose="02070309020205020404" pitchFamily="49" charset="0"/>
-              </a:rPr>
-              <a:t>/* </a:t>
-            </a:r>
-            <a:r>
               <a:rPr lang="en-US" altLang="en-US" sz="2000" dirty="0">
                 <a:solidFill>
                   <a:srgbClr val="000000"/>
                 </a:solidFill>
                 <a:latin typeface="Courier New" panose="02070309020205020404" pitchFamily="49" charset="0"/>
               </a:rPr>
-              <a:t>critical section */</a:t>
+              <a:t>/* critical section */</a:t>
             </a:r>
           </a:p>
           <a:p>
@@ -18124,11 +17891,11 @@
               <a:t>Algorithm for Process </a:t>
             </a:r>
             <a:r>
-              <a:rPr lang="en-US" altLang="en-US" i="1" dirty="0" smtClean="0"/>
+              <a:rPr lang="en-US" altLang="en-US" i="1" dirty="0"/>
               <a:t>P</a:t>
             </a:r>
             <a:r>
-              <a:rPr lang="en-US" altLang="en-US" baseline="-25000" dirty="0" smtClean="0">
+              <a:rPr lang="en-US" altLang="en-US" baseline="-25000" dirty="0">
                 <a:solidFill>
                   <a:srgbClr val="0000FF"/>
                 </a:solidFill>
@@ -18136,7 +17903,7 @@
               <a:t>i</a:t>
             </a:r>
             <a:r>
-              <a:rPr lang="en-US" altLang="en-US" dirty="0" smtClean="0">
+              <a:rPr lang="en-US" altLang="en-US" dirty="0">
                 <a:solidFill>
                   <a:srgbClr val="0000FF"/>
                 </a:solidFill>
@@ -18144,15 +17911,15 @@
               <a:t> </a:t>
             </a:r>
             <a:r>
-              <a:rPr lang="en-US" altLang="en-US" dirty="0" smtClean="0"/>
+              <a:rPr lang="en-US" altLang="en-US" dirty="0"/>
               <a:t>and </a:t>
             </a:r>
             <a:r>
-              <a:rPr lang="en-US" altLang="en-US" i="1" dirty="0" err="1" smtClean="0"/>
+              <a:rPr lang="en-US" altLang="en-US" i="1" dirty="0" err="1"/>
               <a:t>P</a:t>
             </a:r>
             <a:r>
-              <a:rPr lang="en-US" altLang="en-US" baseline="-25000" dirty="0" err="1" smtClean="0">
+              <a:rPr lang="en-US" altLang="en-US" baseline="-25000" dirty="0" err="1">
                 <a:solidFill>
                   <a:srgbClr val="0000FF"/>
                 </a:solidFill>
@@ -18191,7 +17958,6 @@
           <a:ln>
             <a:noFill/>
           </a:ln>
-          <a:extLst/>
         </p:spPr>
         <p:txBody>
           <a:bodyPr wrap="square">
@@ -18210,16 +17976,7 @@
                 </a:solidFill>
                 <a:latin typeface="Courier New" panose="02070309020205020404" pitchFamily="49" charset="0"/>
               </a:rPr>
-              <a:t>while (true</a:t>
-            </a:r>
-            <a:r>
-              <a:rPr lang="en-US" altLang="en-US" sz="2000" dirty="0" smtClean="0">
-                <a:solidFill>
-                  <a:srgbClr val="000000"/>
-                </a:solidFill>
-                <a:latin typeface="Courier New" panose="02070309020205020404" pitchFamily="49" charset="0"/>
-              </a:rPr>
-              <a:t>) </a:t>
+              <a:t>while (true) </a:t>
             </a:r>
           </a:p>
           <a:p>
@@ -18228,7 +17985,7 @@
               <a:buNone/>
             </a:pPr>
             <a:r>
-              <a:rPr lang="en-US" altLang="en-US" sz="2000" dirty="0" smtClean="0">
+              <a:rPr lang="en-US" altLang="en-US" sz="2000" dirty="0">
                 <a:solidFill>
                   <a:srgbClr val="000000"/>
                 </a:solidFill>
@@ -18236,12 +17993,6 @@
               </a:rPr>
               <a:t>{ </a:t>
             </a:r>
-            <a:endParaRPr lang="en-US" altLang="en-US" sz="2000" dirty="0">
-              <a:solidFill>
-                <a:srgbClr val="000000"/>
-              </a:solidFill>
-              <a:latin typeface="Courier New" panose="02070309020205020404" pitchFamily="49" charset="0"/>
-            </a:endParaRPr>
           </a:p>
           <a:p>
             <a:pPr>
@@ -18312,25 +18063,7 @@
                 </a:solidFill>
                 <a:latin typeface="Courier New" panose="02070309020205020404" pitchFamily="49" charset="0"/>
               </a:rPr>
-              <a:t>	while (flag[j</a:t>
-            </a:r>
-            <a:r>
-              <a:rPr lang="en-US" altLang="en-US" sz="2000" b="1" dirty="0" smtClean="0">
-                <a:solidFill>
-                  <a:srgbClr val="000000"/>
-                </a:solidFill>
-                <a:latin typeface="Courier New" panose="02070309020205020404" pitchFamily="49" charset="0"/>
-              </a:rPr>
-              <a:t>] &amp;&amp; turn 	== </a:t>
-            </a:r>
-            <a:r>
-              <a:rPr lang="en-US" altLang="en-US" sz="2000" b="1" dirty="0">
-                <a:solidFill>
-                  <a:srgbClr val="000000"/>
-                </a:solidFill>
-                <a:latin typeface="Courier New" panose="02070309020205020404" pitchFamily="49" charset="0"/>
-              </a:rPr>
-              <a:t>j)</a:t>
+              <a:t>	while (flag[j] &amp;&amp; turn 	== j)</a:t>
             </a:r>
           </a:p>
           <a:p>
@@ -18354,7 +18087,7 @@
               <a:buNone/>
             </a:pPr>
             <a:r>
-              <a:rPr lang="en-US" altLang="en-US" sz="2000" b="1" dirty="0" smtClean="0">
+              <a:rPr lang="en-US" altLang="en-US" sz="2000" b="1" dirty="0">
                 <a:solidFill>
                   <a:srgbClr val="000000"/>
                 </a:solidFill>
@@ -18459,7 +18192,7 @@
               <a:buNone/>
             </a:pPr>
             <a:r>
-              <a:rPr lang="en-US" altLang="en-US" sz="2000" dirty="0" smtClean="0">
+              <a:rPr lang="en-US" altLang="en-US" sz="2000" dirty="0">
                 <a:solidFill>
                   <a:srgbClr val="000000"/>
                 </a:solidFill>
@@ -18467,12 +18200,6 @@
               </a:rPr>
               <a:t>}</a:t>
             </a:r>
-            <a:endParaRPr lang="en-US" altLang="en-US" sz="2000" dirty="0">
-              <a:solidFill>
-                <a:srgbClr val="000000"/>
-              </a:solidFill>
-              <a:latin typeface="Courier New" panose="02070309020205020404" pitchFamily="49" charset="0"/>
-            </a:endParaRPr>
           </a:p>
         </p:txBody>
       </p:sp>
@@ -18639,16 +18366,7 @@
                 </a:solidFill>
                 <a:latin typeface="Courier New" panose="02070309020205020404" pitchFamily="49" charset="0"/>
               </a:rPr>
-              <a:t>while (true</a:t>
-            </a:r>
-            <a:r>
-              <a:rPr lang="en-US" altLang="en-US" sz="2000" dirty="0" smtClean="0">
-                <a:solidFill>
-                  <a:srgbClr val="000000"/>
-                </a:solidFill>
-                <a:latin typeface="Courier New" panose="02070309020205020404" pitchFamily="49" charset="0"/>
-              </a:rPr>
-              <a:t>) </a:t>
+              <a:t>while (true) </a:t>
             </a:r>
           </a:p>
           <a:p>
@@ -18657,7 +18375,7 @@
               <a:buNone/>
             </a:pPr>
             <a:r>
-              <a:rPr lang="en-US" altLang="en-US" sz="2000" dirty="0" smtClean="0">
+              <a:rPr lang="en-US" altLang="en-US" sz="2000" dirty="0">
                 <a:solidFill>
                   <a:srgbClr val="000000"/>
                 </a:solidFill>
@@ -18665,12 +18383,6 @@
               </a:rPr>
               <a:t>{ </a:t>
             </a:r>
-            <a:endParaRPr lang="en-US" altLang="en-US" sz="2000" dirty="0">
-              <a:solidFill>
-                <a:srgbClr val="000000"/>
-              </a:solidFill>
-              <a:latin typeface="Courier New" panose="02070309020205020404" pitchFamily="49" charset="0"/>
-            </a:endParaRPr>
           </a:p>
           <a:p>
             <a:pPr>
@@ -18687,22 +18399,13 @@
               <a:t>	</a:t>
             </a:r>
             <a:r>
-              <a:rPr lang="en-US" altLang="en-US" sz="2000" b="1" dirty="0" smtClean="0">
+              <a:rPr lang="en-US" altLang="en-US" sz="2000" b="1" dirty="0">
                 <a:solidFill>
                   <a:srgbClr val="FF0000"/>
                 </a:solidFill>
                 <a:latin typeface="Courier New" panose="02070309020205020404" pitchFamily="49" charset="0"/>
               </a:rPr>
-              <a:t>flag[j] </a:t>
-            </a:r>
-            <a:r>
-              <a:rPr lang="en-US" altLang="en-US" sz="2000" b="1" dirty="0">
-                <a:solidFill>
-                  <a:srgbClr val="FF0000"/>
-                </a:solidFill>
-                <a:latin typeface="Courier New" panose="02070309020205020404" pitchFamily="49" charset="0"/>
-              </a:rPr>
-              <a:t>= true; </a:t>
+              <a:t>flag[j] = true; </a:t>
             </a:r>
           </a:p>
           <a:p>
@@ -18720,7 +18423,7 @@
               <a:t>	turn = </a:t>
             </a:r>
             <a:r>
-              <a:rPr lang="en-US" altLang="en-US" sz="2000" b="1" dirty="0" err="1" smtClean="0">
+              <a:rPr lang="en-US" altLang="en-US" sz="2000" b="1" dirty="0" err="1">
                 <a:solidFill>
                   <a:srgbClr val="0000FF"/>
                 </a:solidFill>
@@ -18729,7 +18432,7 @@
               <a:t>i</a:t>
             </a:r>
             <a:r>
-              <a:rPr lang="en-US" altLang="en-US" sz="2000" b="1" dirty="0" smtClean="0">
+              <a:rPr lang="en-US" altLang="en-US" sz="2000" b="1" dirty="0">
                 <a:solidFill>
                   <a:srgbClr val="000000"/>
                 </a:solidFill>
@@ -18737,12 +18440,6 @@
               </a:rPr>
               <a:t>; </a:t>
             </a:r>
-            <a:endParaRPr lang="en-US" altLang="en-US" sz="2000" b="1" dirty="0">
-              <a:solidFill>
-                <a:srgbClr val="000000"/>
-              </a:solidFill>
-              <a:latin typeface="Courier New" panose="02070309020205020404" pitchFamily="49" charset="0"/>
-            </a:endParaRPr>
           </a:p>
           <a:p>
             <a:pPr>
@@ -18756,19 +18453,10 @@
                 </a:solidFill>
                 <a:latin typeface="Courier New" panose="02070309020205020404" pitchFamily="49" charset="0"/>
               </a:rPr>
-              <a:t>	while (</a:t>
-            </a:r>
-            <a:r>
-              <a:rPr lang="en-US" altLang="en-US" sz="2000" b="1" dirty="0" smtClean="0">
-                <a:solidFill>
-                  <a:srgbClr val="000000"/>
-                </a:solidFill>
-                <a:latin typeface="Courier New" panose="02070309020205020404" pitchFamily="49" charset="0"/>
-              </a:rPr>
-              <a:t>flag[</a:t>
-            </a:r>
-            <a:r>
-              <a:rPr lang="en-US" altLang="en-US" sz="2000" b="1" dirty="0" err="1" smtClean="0">
+              <a:t>	while (flag[</a:t>
+            </a:r>
+            <a:r>
+              <a:rPr lang="en-US" altLang="en-US" sz="2000" b="1" dirty="0" err="1">
                 <a:solidFill>
                   <a:srgbClr val="0000FF"/>
                 </a:solidFill>
@@ -18777,7 +18465,7 @@
               <a:t>i</a:t>
             </a:r>
             <a:r>
-              <a:rPr lang="en-US" altLang="en-US" sz="2000" b="1" dirty="0" smtClean="0">
+              <a:rPr lang="en-US" altLang="en-US" sz="2000" b="1" dirty="0">
                 <a:solidFill>
                   <a:srgbClr val="000000"/>
                 </a:solidFill>
@@ -18786,7 +18474,7 @@
               <a:t>] &amp;&amp; turn 	== </a:t>
             </a:r>
             <a:r>
-              <a:rPr lang="en-US" altLang="en-US" sz="2000" b="1" dirty="0" err="1" smtClean="0">
+              <a:rPr lang="en-US" altLang="en-US" sz="2000" b="1" dirty="0" err="1">
                 <a:solidFill>
                   <a:srgbClr val="0000FF"/>
                 </a:solidFill>
@@ -18795,7 +18483,7 @@
               <a:t>i</a:t>
             </a:r>
             <a:r>
-              <a:rPr lang="en-US" altLang="en-US" sz="2000" b="1" dirty="0" smtClean="0">
+              <a:rPr lang="en-US" altLang="en-US" sz="2000" b="1" dirty="0">
                 <a:solidFill>
                   <a:srgbClr val="000000"/>
                 </a:solidFill>
@@ -18803,12 +18491,6 @@
               </a:rPr>
               <a:t>)</a:t>
             </a:r>
-            <a:endParaRPr lang="en-US" altLang="en-US" sz="2000" b="1" dirty="0">
-              <a:solidFill>
-                <a:srgbClr val="000000"/>
-              </a:solidFill>
-              <a:latin typeface="Courier New" panose="02070309020205020404" pitchFamily="49" charset="0"/>
-            </a:endParaRPr>
           </a:p>
           <a:p>
             <a:pPr>
@@ -18831,22 +18513,13 @@
               <a:buNone/>
             </a:pPr>
             <a:r>
-              <a:rPr lang="en-US" altLang="en-US" sz="2000" dirty="0" smtClean="0">
-                <a:solidFill>
-                  <a:srgbClr val="000000"/>
-                </a:solidFill>
-                <a:latin typeface="Courier New" panose="02070309020205020404" pitchFamily="49" charset="0"/>
-              </a:rPr>
-              <a:t>   </a:t>
-            </a:r>
-            <a:r>
               <a:rPr lang="en-US" altLang="en-US" sz="2000" dirty="0">
                 <a:solidFill>
                   <a:srgbClr val="000000"/>
                 </a:solidFill>
                 <a:latin typeface="Courier New" panose="02070309020205020404" pitchFamily="49" charset="0"/>
               </a:rPr>
-              <a:t>/* critical section */</a:t>
+              <a:t>   /* critical section */</a:t>
             </a:r>
           </a:p>
           <a:p>
@@ -18864,22 +18537,13 @@
               <a:t> 	</a:t>
             </a:r>
             <a:r>
-              <a:rPr lang="en-US" altLang="en-US" sz="2000" b="1" dirty="0" smtClean="0">
+              <a:rPr lang="en-US" altLang="en-US" sz="2000" b="1" dirty="0">
                 <a:solidFill>
                   <a:srgbClr val="FF0000"/>
                 </a:solidFill>
                 <a:latin typeface="Courier New" panose="02070309020205020404" pitchFamily="49" charset="0"/>
               </a:rPr>
-              <a:t>flag[j] </a:t>
-            </a:r>
-            <a:r>
-              <a:rPr lang="en-US" altLang="en-US" sz="2000" b="1" dirty="0">
-                <a:solidFill>
-                  <a:srgbClr val="FF0000"/>
-                </a:solidFill>
-                <a:latin typeface="Courier New" panose="02070309020205020404" pitchFamily="49" charset="0"/>
-              </a:rPr>
-              <a:t>= false;</a:t>
+              <a:t>flag[j] = false;</a:t>
             </a:r>
           </a:p>
           <a:p>
@@ -18918,7 +18582,7 @@
               <a:buNone/>
             </a:pPr>
             <a:r>
-              <a:rPr lang="en-US" altLang="en-US" sz="2000" dirty="0" smtClean="0">
+              <a:rPr lang="en-US" altLang="en-US" sz="2000" dirty="0">
                 <a:solidFill>
                   <a:srgbClr val="000000"/>
                 </a:solidFill>
@@ -18926,12 +18590,6 @@
               </a:rPr>
               <a:t>}</a:t>
             </a:r>
-            <a:endParaRPr lang="en-US" altLang="en-US" sz="2000" dirty="0">
-              <a:solidFill>
-                <a:srgbClr val="000000"/>
-              </a:solidFill>
-              <a:latin typeface="Courier New" panose="02070309020205020404" pitchFamily="49" charset="0"/>
-            </a:endParaRPr>
           </a:p>
         </p:txBody>
       </p:sp>
@@ -19134,23 +18792,7 @@
                   <a:srgbClr val="000000"/>
                 </a:solidFill>
               </a:rPr>
-              <a:t>Provable that the three </a:t>
-            </a:r>
-            <a:r>
-              <a:rPr lang="en-US" altLang="en-US" sz="2400" dirty="0" smtClean="0">
-                <a:solidFill>
-                  <a:srgbClr val="000000"/>
-                </a:solidFill>
-              </a:rPr>
-              <a:t>CS requirements </a:t>
-            </a:r>
-            <a:r>
-              <a:rPr lang="en-US" altLang="en-US" sz="2400" dirty="0">
-                <a:solidFill>
-                  <a:srgbClr val="000000"/>
-                </a:solidFill>
-              </a:rPr>
-              <a:t>are met:</a:t>
+              <a:t>Provable that the three CS requirements are met:</a:t>
             </a:r>
           </a:p>
           <a:p>
@@ -19236,19 +18878,10 @@
                 </a:solidFill>
                 <a:latin typeface="Courier New" panose="02070309020205020404" pitchFamily="49" charset="0"/>
               </a:rPr>
-              <a:t>flag[j</a:t>
-            </a:r>
-            <a:r>
-              <a:rPr lang="en-US" altLang="en-US" sz="2800" b="1" dirty="0" smtClean="0">
-                <a:solidFill>
-                  <a:srgbClr val="000000"/>
-                </a:solidFill>
-                <a:latin typeface="Courier New" panose="02070309020205020404" pitchFamily="49" charset="0"/>
-              </a:rPr>
-              <a:t>]=false</a:t>
-            </a:r>
-            <a:r>
-              <a:rPr lang="en-US" altLang="en-US" sz="2400" b="1" dirty="0" smtClean="0">
+              <a:t>flag[j]=false</a:t>
+            </a:r>
+            <a:r>
+              <a:rPr lang="en-US" altLang="en-US" sz="2400" b="1" dirty="0">
                 <a:solidFill>
                   <a:srgbClr val="000000"/>
                 </a:solidFill>
@@ -19274,7 +18907,7 @@
               <a:t> </a:t>
             </a:r>
             <a:r>
-              <a:rPr lang="en-US" altLang="en-US" sz="2800" b="1" dirty="0" smtClean="0">
+              <a:rPr lang="en-US" altLang="en-US" sz="2800" b="1" dirty="0">
                 <a:solidFill>
                   <a:srgbClr val="000000"/>
                 </a:solidFill>
@@ -19283,7 +18916,7 @@
               <a:t>turn=</a:t>
             </a:r>
             <a:r>
-              <a:rPr lang="en-US" altLang="en-US" sz="2800" b="1" dirty="0" err="1" smtClean="0">
+              <a:rPr lang="en-US" altLang="en-US" sz="2800" b="1" dirty="0" err="1">
                 <a:solidFill>
                   <a:srgbClr val="000000"/>
                 </a:solidFill>
@@ -19438,13 +19071,8 @@
             </a:r>
             <a:r>
               <a:rPr lang="en-US" altLang="en-US" sz="2400" dirty="0"/>
-              <a:t> guaranteed to work on modern </a:t>
-            </a:r>
-            <a:r>
-              <a:rPr lang="en-US" altLang="en-US" sz="2400" dirty="0" smtClean="0"/>
-              <a:t>architectures</a:t>
-            </a:r>
-            <a:endParaRPr lang="en-US" altLang="en-US" sz="2400" dirty="0"/>
+              <a:t> guaranteed to work on modern architectures</a:t>
+            </a:r>
           </a:p>
           <a:p>
             <a:pPr lvl="1"/>
@@ -19468,31 +19096,21 @@
           <a:p>
             <a:r>
               <a:rPr lang="en-US" altLang="en-US" sz="2400" dirty="0"/>
-              <a:t>Understanding why it will not work is useful for better understanding race </a:t>
-            </a:r>
-            <a:r>
-              <a:rPr lang="en-US" altLang="en-US" sz="2400" dirty="0" smtClean="0"/>
-              <a:t>conditions</a:t>
-            </a:r>
-            <a:endParaRPr lang="en-US" altLang="en-US" sz="2400" dirty="0"/>
+              <a:t>Understanding why it will not work is useful for better understanding race conditions</a:t>
+            </a:r>
           </a:p>
           <a:p>
             <a:pPr lvl="1"/>
             <a:r>
               <a:rPr lang="en-US" altLang="en-US" sz="2400" dirty="0"/>
-              <a:t>For single-threaded this is ok as the result will always be the </a:t>
-            </a:r>
-            <a:r>
-              <a:rPr lang="en-US" altLang="en-US" sz="2400" dirty="0" smtClean="0"/>
-              <a:t>same</a:t>
-            </a:r>
-            <a:endParaRPr lang="en-US" altLang="en-US" sz="2400" dirty="0"/>
+              <a:t>For single-threaded, this is ok as the result will always be the same</a:t>
+            </a:r>
           </a:p>
           <a:p>
             <a:pPr lvl="1"/>
             <a:r>
               <a:rPr lang="en-US" altLang="en-US" sz="2400" dirty="0"/>
-              <a:t>For multithreaded the reordering may produce inconsistent or unexpected results!</a:t>
+              <a:t>For multithreaded, the reordering may produce inconsistent or unexpected results!</a:t>
             </a:r>
           </a:p>
         </p:txBody>
@@ -19629,15 +19247,37 @@
               <a:rPr lang="en-US" altLang="en-US" sz="2400" dirty="0"/>
             </a:br>
             <a:r>
-              <a:rPr lang="en-US" altLang="en-US" sz="2400" dirty="0"/>
+              <a:rPr lang="en-US" altLang="en-US" sz="2400" b="1" dirty="0"/>
               <a:t>      </a:t>
             </a:r>
             <a:r>
-              <a:rPr lang="en-US" altLang="en-US" sz="2400" dirty="0">
+              <a:rPr lang="en-US" altLang="en-US" sz="2400" b="1" dirty="0">
+                <a:solidFill>
+                  <a:srgbClr val="0000FF"/>
+                </a:solidFill>
                 <a:latin typeface="Courier New" panose="02070309020205020404" pitchFamily="49" charset="0"/>
                 <a:cs typeface="Courier New" panose="02070309020205020404" pitchFamily="49" charset="0"/>
               </a:rPr>
               <a:t>while (!flag)</a:t>
+            </a:r>
+            <a:br>
+              <a:rPr lang="en-US" altLang="en-US" sz="2400" b="1" dirty="0">
+                <a:solidFill>
+                  <a:srgbClr val="0000FF"/>
+                </a:solidFill>
+                <a:latin typeface="Courier New" panose="02070309020205020404" pitchFamily="49" charset="0"/>
+                <a:cs typeface="Courier New" panose="02070309020205020404" pitchFamily="49" charset="0"/>
+              </a:rPr>
+            </a:br>
+            <a:r>
+              <a:rPr lang="en-US" altLang="en-US" sz="2400" b="1" dirty="0">
+                <a:solidFill>
+                  <a:srgbClr val="0000FF"/>
+                </a:solidFill>
+                <a:latin typeface="Courier New" panose="02070309020205020404" pitchFamily="49" charset="0"/>
+                <a:cs typeface="Courier New" panose="02070309020205020404" pitchFamily="49" charset="0"/>
+              </a:rPr>
+              <a:t>	;</a:t>
             </a:r>
             <a:br>
               <a:rPr lang="en-US" altLang="en-US" sz="2400" dirty="0">
@@ -19650,20 +19290,7 @@
                 <a:latin typeface="Courier New" panose="02070309020205020404" pitchFamily="49" charset="0"/>
                 <a:cs typeface="Courier New" panose="02070309020205020404" pitchFamily="49" charset="0"/>
               </a:rPr>
-              <a:t>	;</a:t>
-            </a:r>
-            <a:br>
-              <a:rPr lang="en-US" altLang="en-US" sz="2400" dirty="0">
-                <a:latin typeface="Courier New" panose="02070309020205020404" pitchFamily="49" charset="0"/>
-                <a:cs typeface="Courier New" panose="02070309020205020404" pitchFamily="49" charset="0"/>
-              </a:rPr>
-            </a:br>
-            <a:r>
-              <a:rPr lang="en-US" altLang="en-US" sz="2400" dirty="0">
-                <a:latin typeface="Courier New" panose="02070309020205020404" pitchFamily="49" charset="0"/>
-                <a:cs typeface="Courier New" panose="02070309020205020404" pitchFamily="49" charset="0"/>
-              </a:rPr>
-              <a:t>   print x</a:t>
+              <a:t>   print x;</a:t>
             </a:r>
           </a:p>
           <a:p>
@@ -19696,17 +19323,23 @@
                 <a:latin typeface="Courier New" panose="02070309020205020404" pitchFamily="49" charset="0"/>
                 <a:cs typeface="Courier New" panose="02070309020205020404" pitchFamily="49" charset="0"/>
               </a:rPr>
-              <a:t>   flag = true</a:t>
+              <a:t>   </a:t>
+            </a:r>
+            <a:r>
+              <a:rPr lang="en-US" altLang="en-US" sz="2400" b="1" dirty="0">
+                <a:solidFill>
+                  <a:srgbClr val="0000FF"/>
+                </a:solidFill>
+                <a:latin typeface="Courier New" panose="02070309020205020404" pitchFamily="49" charset="0"/>
+                <a:cs typeface="Courier New" panose="02070309020205020404" pitchFamily="49" charset="0"/>
+              </a:rPr>
+              <a:t>flag = true;</a:t>
             </a:r>
           </a:p>
           <a:p>
             <a:r>
               <a:rPr lang="en-US" altLang="en-US" sz="2400" dirty="0"/>
-              <a:t>What is the expected output</a:t>
-            </a:r>
-            <a:r>
-              <a:rPr lang="en-US" altLang="en-US" sz="2400" dirty="0" smtClean="0"/>
-              <a:t>?</a:t>
+              <a:t>What is the expected output?</a:t>
             </a:r>
           </a:p>
           <a:p>
@@ -19714,10 +19347,9 @@
               <a:buNone/>
             </a:pPr>
             <a:r>
-              <a:rPr lang="en-US" altLang="zh-TW" sz="2400" dirty="0" smtClean="0"/>
+              <a:rPr lang="en-US" altLang="zh-TW" sz="2400" dirty="0"/>
               <a:t>	100</a:t>
             </a:r>
-            <a:endParaRPr lang="en-US" altLang="zh-TW" sz="2400" dirty="0"/>
           </a:p>
           <a:p>
             <a:pPr lvl="1"/>
@@ -20456,10 +20088,6 @@
             <a:pPr marL="0" indent="0">
               <a:buNone/>
             </a:pPr>
-            <a:r>
-              <a:rPr lang="en-US" altLang="en-US" sz="2400" dirty="0"/>
-              <a:t/>
-            </a:r>
             <a:br>
               <a:rPr lang="en-US" altLang="en-US" sz="2400" dirty="0"/>
             </a:br>
@@ -20527,24 +20155,12 @@
             <a:pPr marL="0" indent="0">
               <a:buNone/>
             </a:pPr>
-            <a:r>
-              <a:rPr lang="en-US" altLang="en-US" dirty="0"/>
-              <a:t/>
-            </a:r>
             <a:br>
               <a:rPr lang="en-US" altLang="en-US" dirty="0"/>
             </a:br>
-            <a:r>
-              <a:rPr lang="en-US" altLang="en-US" dirty="0"/>
-              <a:t/>
-            </a:r>
             <a:br>
               <a:rPr lang="en-US" altLang="en-US" dirty="0"/>
             </a:br>
-            <a:r>
-              <a:rPr lang="en-US" altLang="en-US" dirty="0"/>
-              <a:t/>
-            </a:r>
             <a:br>
               <a:rPr lang="en-US" altLang="en-US" dirty="0"/>
             </a:br>
@@ -20678,42 +20294,17 @@
                 </a:solidFill>
                 <a:latin typeface="+mj-lt"/>
               </a:rPr>
-              <a:t>Memory </a:t>
-            </a:r>
-            <a:r>
-              <a:rPr lang="en-US" altLang="en-US" sz="2400" b="1" dirty="0" smtClean="0">
-                <a:solidFill>
-                  <a:srgbClr val="006699"/>
-                </a:solidFill>
-                <a:latin typeface="+mj-lt"/>
-              </a:rPr>
-              <a:t>Barrier</a:t>
-            </a:r>
-            <a:r>
-              <a:rPr lang="en-US" altLang="en-US" dirty="0"/>
-              <a:t/>
+              <a:t>Memory Barrier</a:t>
             </a:r>
             <a:br>
               <a:rPr lang="en-US" altLang="en-US" dirty="0"/>
             </a:br>
-            <a:r>
-              <a:rPr lang="en-US" altLang="en-US" dirty="0"/>
-              <a:t/>
-            </a:r>
             <a:br>
               <a:rPr lang="en-US" altLang="en-US" dirty="0"/>
             </a:br>
-            <a:r>
-              <a:rPr lang="en-US" altLang="en-US" dirty="0"/>
-              <a:t/>
-            </a:r>
             <a:br>
               <a:rPr lang="en-US" altLang="en-US" dirty="0"/>
             </a:br>
-            <a:r>
-              <a:rPr lang="en-US" altLang="en-US" dirty="0"/>
-              <a:t/>
-            </a:r>
             <a:br>
               <a:rPr lang="en-US" altLang="en-US" dirty="0"/>
             </a:br>
@@ -20838,10 +20429,9 @@
           <a:lstStyle/>
           <a:p>
             <a:r>
-              <a:rPr lang="en-US" altLang="en-US" dirty="0" smtClean="0"/>
+              <a:rPr lang="en-US" altLang="en-US" dirty="0"/>
               <a:t>Effect of Instruction Reordering on Peterson’s Solution</a:t>
             </a:r>
-            <a:endParaRPr lang="en-US" altLang="en-US" dirty="0"/>
           </a:p>
         </p:txBody>
       </p:sp>
@@ -20873,7 +20463,6 @@
           <a:ln>
             <a:noFill/>
           </a:ln>
-          <a:extLst/>
         </p:spPr>
         <p:txBody>
           <a:bodyPr wrap="square">
@@ -20892,16 +20481,7 @@
                 </a:solidFill>
                 <a:latin typeface="Courier New" panose="02070309020205020404" pitchFamily="49" charset="0"/>
               </a:rPr>
-              <a:t>while (true</a:t>
-            </a:r>
-            <a:r>
-              <a:rPr lang="en-US" altLang="en-US" sz="2000" dirty="0" smtClean="0">
-                <a:solidFill>
-                  <a:srgbClr val="000000"/>
-                </a:solidFill>
-                <a:latin typeface="Courier New" panose="02070309020205020404" pitchFamily="49" charset="0"/>
-              </a:rPr>
-              <a:t>) </a:t>
+              <a:t>while (true) </a:t>
             </a:r>
           </a:p>
           <a:p>
@@ -20910,7 +20490,7 @@
               <a:buNone/>
             </a:pPr>
             <a:r>
-              <a:rPr lang="en-US" altLang="en-US" sz="2000" dirty="0" smtClean="0">
+              <a:rPr lang="en-US" altLang="en-US" sz="2000" dirty="0">
                 <a:solidFill>
                   <a:srgbClr val="000000"/>
                 </a:solidFill>
@@ -20918,12 +20498,6 @@
               </a:rPr>
               <a:t>{ </a:t>
             </a:r>
-            <a:endParaRPr lang="en-US" altLang="en-US" sz="2000" dirty="0">
-              <a:solidFill>
-                <a:srgbClr val="000000"/>
-              </a:solidFill>
-              <a:latin typeface="Courier New" panose="02070309020205020404" pitchFamily="49" charset="0"/>
-            </a:endParaRPr>
           </a:p>
           <a:p>
             <a:pPr>
@@ -20937,23 +20511,8 @@
                 </a:solidFill>
                 <a:latin typeface="Courier New" panose="02070309020205020404" pitchFamily="49" charset="0"/>
               </a:rPr>
-              <a:t>	turn = </a:t>
-            </a:r>
-            <a:r>
-              <a:rPr lang="en-US" altLang="en-US" sz="2000" b="1" dirty="0" smtClean="0">
-                <a:solidFill>
-                  <a:srgbClr val="FF0000"/>
-                </a:solidFill>
-                <a:latin typeface="Courier New" panose="02070309020205020404" pitchFamily="49" charset="0"/>
-              </a:rPr>
-              <a:t>1; </a:t>
-            </a:r>
-            <a:endParaRPr lang="en-US" altLang="en-US" sz="2000" b="1" dirty="0">
-              <a:solidFill>
-                <a:srgbClr val="FF0000"/>
-              </a:solidFill>
-              <a:latin typeface="Courier New" panose="02070309020205020404" pitchFamily="49" charset="0"/>
-            </a:endParaRPr>
+              <a:t>	turn = 1; </a:t>
+            </a:r>
           </a:p>
           <a:p>
             <a:pPr>
@@ -20969,22 +20528,13 @@
               <a:t>	</a:t>
             </a:r>
             <a:r>
-              <a:rPr lang="en-US" altLang="en-US" sz="2000" b="1" dirty="0" smtClean="0">
+              <a:rPr lang="en-US" altLang="en-US" sz="2000" b="1" dirty="0">
                 <a:solidFill>
                   <a:srgbClr val="FF0000"/>
                 </a:solidFill>
                 <a:latin typeface="Courier New" panose="02070309020205020404" pitchFamily="49" charset="0"/>
               </a:rPr>
-              <a:t>flag[0] </a:t>
-            </a:r>
-            <a:r>
-              <a:rPr lang="en-US" altLang="en-US" sz="2000" b="1" dirty="0">
-                <a:solidFill>
-                  <a:srgbClr val="FF0000"/>
-                </a:solidFill>
-                <a:latin typeface="Courier New" panose="02070309020205020404" pitchFamily="49" charset="0"/>
-              </a:rPr>
-              <a:t>= true; </a:t>
+              <a:t>flag[0] = true; </a:t>
             </a:r>
           </a:p>
           <a:p>
@@ -20999,23 +20549,8 @@
                 </a:solidFill>
                 <a:latin typeface="Courier New" panose="02070309020205020404" pitchFamily="49" charset="0"/>
               </a:rPr>
-              <a:t>	while (</a:t>
-            </a:r>
-            <a:r>
-              <a:rPr lang="en-US" altLang="en-US" sz="2000" b="1" dirty="0" smtClean="0">
-                <a:solidFill>
-                  <a:srgbClr val="000000"/>
-                </a:solidFill>
-                <a:latin typeface="Courier New" panose="02070309020205020404" pitchFamily="49" charset="0"/>
-              </a:rPr>
-              <a:t>flag[1] &amp;&amp; turn 	== 1)</a:t>
-            </a:r>
-            <a:endParaRPr lang="en-US" altLang="en-US" sz="2000" b="1" dirty="0">
-              <a:solidFill>
-                <a:srgbClr val="000000"/>
-              </a:solidFill>
-              <a:latin typeface="Courier New" panose="02070309020205020404" pitchFamily="49" charset="0"/>
-            </a:endParaRPr>
+              <a:t>	while (flag[1] &amp;&amp; turn 	== 1)</a:t>
+            </a:r>
           </a:p>
           <a:p>
             <a:pPr>
@@ -21038,7 +20573,7 @@
               <a:buNone/>
             </a:pPr>
             <a:r>
-              <a:rPr lang="en-US" altLang="en-US" sz="2000" b="1" dirty="0" smtClean="0">
+              <a:rPr lang="en-US" altLang="en-US" sz="2000" b="1" dirty="0">
                 <a:solidFill>
                   <a:srgbClr val="000000"/>
                 </a:solidFill>
@@ -21071,16 +20606,10 @@
               <a:t> 	</a:t>
             </a:r>
             <a:r>
-              <a:rPr lang="en-US" altLang="en-US" sz="2000" b="1" dirty="0" smtClean="0">
-                <a:latin typeface="Courier New" panose="02070309020205020404" pitchFamily="49" charset="0"/>
-              </a:rPr>
-              <a:t>flag[0] </a:t>
-            </a:r>
-            <a:r>
               <a:rPr lang="en-US" altLang="en-US" sz="2000" b="1" dirty="0">
                 <a:latin typeface="Courier New" panose="02070309020205020404" pitchFamily="49" charset="0"/>
               </a:rPr>
-              <a:t>= false;</a:t>
+              <a:t>flag[0] = false;</a:t>
             </a:r>
           </a:p>
           <a:p>
@@ -21128,7 +20657,7 @@
               <a:buNone/>
             </a:pPr>
             <a:r>
-              <a:rPr lang="en-US" altLang="en-US" sz="2000" dirty="0" smtClean="0">
+              <a:rPr lang="en-US" altLang="en-US" sz="2000" dirty="0">
                 <a:solidFill>
                   <a:srgbClr val="000000"/>
                 </a:solidFill>
@@ -21136,12 +20665,6 @@
               </a:rPr>
               <a:t>}</a:t>
             </a:r>
-            <a:endParaRPr lang="en-US" altLang="en-US" sz="2000" dirty="0">
-              <a:solidFill>
-                <a:srgbClr val="000000"/>
-              </a:solidFill>
-              <a:latin typeface="Courier New" panose="02070309020205020404" pitchFamily="49" charset="0"/>
-            </a:endParaRPr>
           </a:p>
         </p:txBody>
       </p:sp>
@@ -21308,16 +20831,7 @@
                 </a:solidFill>
                 <a:latin typeface="Courier New" panose="02070309020205020404" pitchFamily="49" charset="0"/>
               </a:rPr>
-              <a:t>while (true</a:t>
-            </a:r>
-            <a:r>
-              <a:rPr lang="en-US" altLang="en-US" sz="2000" dirty="0" smtClean="0">
-                <a:solidFill>
-                  <a:srgbClr val="000000"/>
-                </a:solidFill>
-                <a:latin typeface="Courier New" panose="02070309020205020404" pitchFamily="49" charset="0"/>
-              </a:rPr>
-              <a:t>) </a:t>
+              <a:t>while (true) </a:t>
             </a:r>
           </a:p>
           <a:p>
@@ -21326,7 +20840,7 @@
               <a:buNone/>
             </a:pPr>
             <a:r>
-              <a:rPr lang="en-US" altLang="en-US" sz="2000" dirty="0" smtClean="0">
+              <a:rPr lang="en-US" altLang="en-US" sz="2000" dirty="0">
                 <a:solidFill>
                   <a:srgbClr val="000000"/>
                 </a:solidFill>
@@ -21334,12 +20848,6 @@
               </a:rPr>
               <a:t>{ </a:t>
             </a:r>
-            <a:endParaRPr lang="en-US" altLang="en-US" sz="2000" dirty="0">
-              <a:solidFill>
-                <a:srgbClr val="000000"/>
-              </a:solidFill>
-              <a:latin typeface="Courier New" panose="02070309020205020404" pitchFamily="49" charset="0"/>
-            </a:endParaRPr>
           </a:p>
           <a:p>
             <a:pPr>
@@ -21353,23 +20861,8 @@
                 </a:solidFill>
                 <a:latin typeface="Courier New" panose="02070309020205020404" pitchFamily="49" charset="0"/>
               </a:rPr>
-              <a:t>	turn = </a:t>
-            </a:r>
-            <a:r>
-              <a:rPr lang="en-US" altLang="en-US" sz="2000" b="1" dirty="0" smtClean="0">
-                <a:solidFill>
-                  <a:srgbClr val="FF0000"/>
-                </a:solidFill>
-                <a:latin typeface="Courier New" panose="02070309020205020404" pitchFamily="49" charset="0"/>
-              </a:rPr>
-              <a:t>0; </a:t>
-            </a:r>
-            <a:endParaRPr lang="en-US" altLang="en-US" sz="2000" b="1" dirty="0">
-              <a:solidFill>
-                <a:srgbClr val="FF0000"/>
-              </a:solidFill>
-              <a:latin typeface="Courier New" panose="02070309020205020404" pitchFamily="49" charset="0"/>
-            </a:endParaRPr>
+              <a:t>	turn = 0; </a:t>
+            </a:r>
           </a:p>
           <a:p>
             <a:pPr>
@@ -21385,22 +20878,13 @@
               <a:t>	</a:t>
             </a:r>
             <a:r>
-              <a:rPr lang="en-US" altLang="en-US" sz="2000" b="1" dirty="0" smtClean="0">
+              <a:rPr lang="en-US" altLang="en-US" sz="2000" b="1" dirty="0">
                 <a:solidFill>
                   <a:srgbClr val="FF0000"/>
                 </a:solidFill>
                 <a:latin typeface="Courier New" panose="02070309020205020404" pitchFamily="49" charset="0"/>
               </a:rPr>
-              <a:t>flag[1] </a:t>
-            </a:r>
-            <a:r>
-              <a:rPr lang="en-US" altLang="en-US" sz="2000" b="1" dirty="0">
-                <a:solidFill>
-                  <a:srgbClr val="FF0000"/>
-                </a:solidFill>
-                <a:latin typeface="Courier New" panose="02070309020205020404" pitchFamily="49" charset="0"/>
-              </a:rPr>
-              <a:t>= true; </a:t>
+              <a:t>flag[1] = true; </a:t>
             </a:r>
           </a:p>
           <a:p>
@@ -21415,19 +20899,10 @@
                 </a:solidFill>
                 <a:latin typeface="Courier New" panose="02070309020205020404" pitchFamily="49" charset="0"/>
               </a:rPr>
-              <a:t>	while (</a:t>
-            </a:r>
-            <a:r>
-              <a:rPr lang="en-US" altLang="en-US" sz="2000" b="1" dirty="0" smtClean="0">
-                <a:solidFill>
-                  <a:srgbClr val="000000"/>
-                </a:solidFill>
-                <a:latin typeface="Courier New" panose="02070309020205020404" pitchFamily="49" charset="0"/>
-              </a:rPr>
-              <a:t>flag[</a:t>
-            </a:r>
-            <a:r>
-              <a:rPr lang="en-US" altLang="en-US" sz="2000" b="1" dirty="0" smtClean="0">
+              <a:t>	while (flag[</a:t>
+            </a:r>
+            <a:r>
+              <a:rPr lang="en-US" altLang="en-US" sz="2000" b="1" dirty="0">
                 <a:solidFill>
                   <a:srgbClr val="0000FF"/>
                 </a:solidFill>
@@ -21436,7 +20911,7 @@
               <a:t>0</a:t>
             </a:r>
             <a:r>
-              <a:rPr lang="en-US" altLang="en-US" sz="2000" b="1" dirty="0" smtClean="0">
+              <a:rPr lang="en-US" altLang="en-US" sz="2000" b="1" dirty="0">
                 <a:solidFill>
                   <a:srgbClr val="000000"/>
                 </a:solidFill>
@@ -21445,7 +20920,7 @@
               <a:t>] &amp;&amp; turn 	== </a:t>
             </a:r>
             <a:r>
-              <a:rPr lang="en-US" altLang="en-US" sz="2000" b="1" dirty="0" smtClean="0">
+              <a:rPr lang="en-US" altLang="en-US" sz="2000" b="1" dirty="0">
                 <a:solidFill>
                   <a:srgbClr val="0000FF"/>
                 </a:solidFill>
@@ -21454,7 +20929,7 @@
               <a:t>0</a:t>
             </a:r>
             <a:r>
-              <a:rPr lang="en-US" altLang="en-US" sz="2000" b="1" dirty="0" smtClean="0">
+              <a:rPr lang="en-US" altLang="en-US" sz="2000" b="1" dirty="0">
                 <a:solidFill>
                   <a:srgbClr val="000000"/>
                 </a:solidFill>
@@ -21462,12 +20937,6 @@
               </a:rPr>
               <a:t>)</a:t>
             </a:r>
-            <a:endParaRPr lang="en-US" altLang="en-US" sz="2000" b="1" dirty="0">
-              <a:solidFill>
-                <a:srgbClr val="000000"/>
-              </a:solidFill>
-              <a:latin typeface="Courier New" panose="02070309020205020404" pitchFamily="49" charset="0"/>
-            </a:endParaRPr>
           </a:p>
           <a:p>
             <a:pPr>
@@ -21490,22 +20959,13 @@
               <a:buNone/>
             </a:pPr>
             <a:r>
-              <a:rPr lang="en-US" altLang="en-US" sz="2000" dirty="0" smtClean="0">
-                <a:solidFill>
-                  <a:srgbClr val="000000"/>
-                </a:solidFill>
-                <a:latin typeface="Courier New" panose="02070309020205020404" pitchFamily="49" charset="0"/>
-              </a:rPr>
-              <a:t>   </a:t>
-            </a:r>
-            <a:r>
               <a:rPr lang="en-US" altLang="en-US" sz="2000" dirty="0">
                 <a:solidFill>
                   <a:srgbClr val="000000"/>
                 </a:solidFill>
                 <a:latin typeface="Courier New" panose="02070309020205020404" pitchFamily="49" charset="0"/>
               </a:rPr>
-              <a:t>/* critical section */</a:t>
+              <a:t>   /* critical section */</a:t>
             </a:r>
           </a:p>
           <a:p>
@@ -21517,19 +20977,7 @@
               <a:rPr lang="en-US" altLang="en-US" sz="2000" b="1" dirty="0">
                 <a:latin typeface="Courier New" panose="02070309020205020404" pitchFamily="49" charset="0"/>
               </a:rPr>
-              <a:t> 	</a:t>
-            </a:r>
-            <a:r>
-              <a:rPr lang="en-US" altLang="en-US" sz="2000" b="1" dirty="0" smtClean="0">
-                <a:latin typeface="Courier New" panose="02070309020205020404" pitchFamily="49" charset="0"/>
-              </a:rPr>
-              <a:t>flag[1] </a:t>
-            </a:r>
-            <a:r>
-              <a:rPr lang="en-US" altLang="en-US" sz="2000" b="1" dirty="0">
-                <a:latin typeface="Courier New" panose="02070309020205020404" pitchFamily="49" charset="0"/>
-              </a:rPr>
-              <a:t>= false;</a:t>
+              <a:t> 	flag[1] = false;</a:t>
             </a:r>
           </a:p>
           <a:p>
@@ -21577,7 +21025,7 @@
               <a:buNone/>
             </a:pPr>
             <a:r>
-              <a:rPr lang="en-US" altLang="en-US" sz="2000" dirty="0" smtClean="0">
+              <a:rPr lang="en-US" altLang="en-US" sz="2000" dirty="0">
                 <a:solidFill>
                   <a:srgbClr val="000000"/>
                 </a:solidFill>
@@ -21585,12 +21033,6 @@
               </a:rPr>
               <a:t>}</a:t>
             </a:r>
-            <a:endParaRPr lang="en-US" altLang="en-US" sz="2000" dirty="0">
-              <a:solidFill>
-                <a:srgbClr val="000000"/>
-              </a:solidFill>
-              <a:latin typeface="Courier New" panose="02070309020205020404" pitchFamily="49" charset="0"/>
-            </a:endParaRPr>
           </a:p>
         </p:txBody>
       </p:sp>
@@ -21787,13 +21229,8 @@
             </a:r>
             <a:r>
               <a:rPr lang="en-US" altLang="en-US" sz="2400" dirty="0"/>
-              <a:t>are the memory guarantees a computer architecture makes to application </a:t>
-            </a:r>
-            <a:r>
-              <a:rPr lang="en-US" altLang="en-US" sz="2400" dirty="0" smtClean="0"/>
-              <a:t>programs</a:t>
-            </a:r>
-            <a:endParaRPr lang="en-US" altLang="en-US" sz="2400" dirty="0"/>
+              <a:t>are the memory guarantees a computer architecture makes to application programs</a:t>
+            </a:r>
           </a:p>
           <a:p>
             <a:r>
@@ -21809,13 +21246,8 @@
             </a:r>
             <a:r>
               <a:rPr lang="en-US" altLang="en-US" sz="2400" dirty="0"/>
-              <a:t>– where a memory modification of one processor is immediately visible to all other </a:t>
-            </a:r>
-            <a:r>
-              <a:rPr lang="en-US" altLang="en-US" sz="2400" dirty="0" smtClean="0"/>
-              <a:t>processors</a:t>
-            </a:r>
-            <a:endParaRPr lang="en-US" altLang="en-US" sz="2400" dirty="0"/>
+              <a:t>– where a memory modification of one processor is immediately visible to all other processors</a:t>
+            </a:r>
           </a:p>
           <a:p>
             <a:pPr lvl="1"/>
@@ -21825,13 +21257,8 @@
             </a:r>
             <a:r>
               <a:rPr lang="en-US" altLang="en-US" sz="2400" dirty="0"/>
-              <a:t>– where a memory modification of one processor may not be immediately visible to all other </a:t>
-            </a:r>
-            <a:r>
-              <a:rPr lang="en-US" altLang="en-US" sz="2400" dirty="0" smtClean="0"/>
-              <a:t>processors</a:t>
-            </a:r>
-            <a:endParaRPr lang="en-US" altLang="en-US" sz="2400" dirty="0"/>
+              <a:t>– where a memory modification of one processor may not be immediately visible to all other processors</a:t>
+            </a:r>
           </a:p>
           <a:p>
             <a:r>
@@ -21852,19 +21279,7 @@
                   <a:srgbClr val="0000FF"/>
                 </a:solidFill>
               </a:rPr>
-              <a:t>forces any change in memory to be propagated (made visible) to all other </a:t>
-            </a:r>
-            <a:r>
-              <a:rPr lang="en-US" altLang="en-US" sz="2400" dirty="0" smtClean="0">
-                <a:solidFill>
-                  <a:srgbClr val="0000FF"/>
-                </a:solidFill>
-              </a:rPr>
-              <a:t>processors</a:t>
-            </a:r>
-            <a:r>
-              <a:rPr lang="en-US" altLang="en-US" dirty="0"/>
-              <a:t/>
+              <a:t>forces any change in memory to be propagated (made visible) to all other processors</a:t>
             </a:r>
             <a:br>
               <a:rPr lang="en-US" altLang="en-US" dirty="0"/>
@@ -21972,28 +21387,18 @@
                   <a:srgbClr val="0000FF"/>
                 </a:solidFill>
               </a:rPr>
-              <a:t>completed</a:t>
+              <a:t>completed before </a:t>
             </a:r>
             <a:r>
               <a:rPr lang="en-US" altLang="en-US" sz="2400" dirty="0"/>
-              <a:t> before any subsequent load or store operations are </a:t>
-            </a:r>
-            <a:r>
-              <a:rPr lang="en-US" altLang="en-US" sz="2400" dirty="0" smtClean="0"/>
-              <a:t>performed</a:t>
-            </a:r>
-            <a:endParaRPr lang="en-US" altLang="en-US" sz="2400" dirty="0"/>
+              <a:t>any subsequent load or store operations are performed</a:t>
+            </a:r>
           </a:p>
           <a:p>
             <a:r>
               <a:rPr lang="en-US" altLang="en-US" sz="2400" dirty="0"/>
-              <a:t>Therefore, even if instructions were reordered, the memory barrier ensures that the store operations are completed in memory and visible to other processors before future load or store operations are </a:t>
-            </a:r>
-            <a:r>
-              <a:rPr lang="en-US" altLang="en-US" sz="2400" dirty="0" smtClean="0"/>
-              <a:t>performed</a:t>
-            </a:r>
-            <a:endParaRPr lang="en-US" altLang="en-US" sz="2400" dirty="0"/>
+              <a:t>Therefore, even if instructions were reordered, the memory barrier ensures that the store operations are completed in memory and visible to other processors before future load or store operations are performed</a:t>
+            </a:r>
           </a:p>
           <a:p>
             <a:endParaRPr lang="en-US" altLang="en-US" dirty="0"/>
@@ -22091,7 +21496,7 @@
           <a:p>
             <a:r>
               <a:rPr lang="en-US" altLang="en-US" sz="2000" dirty="0"/>
-              <a:t>Returning to the example of slides 6.17 - 6.18</a:t>
+              <a:t>Returning to the example of slides 6.19 - 6.20</a:t>
             </a:r>
           </a:p>
           <a:p>
@@ -22101,6 +21506,7 @@
             </a:r>
           </a:p>
           <a:p>
+            <a:pPr lvl="1"/>
             <a:r>
               <a:rPr lang="en-US" altLang="en-US" sz="2000" dirty="0"/>
               <a:t>Thread 1 now performs</a:t>
@@ -22130,10 +21536,10 @@
                 <a:latin typeface="Courier New" panose="02070309020205020404" pitchFamily="49" charset="0"/>
                 <a:cs typeface="Courier New" panose="02070309020205020404" pitchFamily="49" charset="0"/>
               </a:rPr>
-              <a:t>	</a:t>
-            </a:r>
-            <a:r>
-              <a:rPr lang="en-US" altLang="en-US" sz="2000" dirty="0" err="1">
+              <a:t>	 </a:t>
+            </a:r>
+            <a:r>
+              <a:rPr lang="en-US" altLang="en-US" sz="2000" b="1" dirty="0" err="1">
                 <a:solidFill>
                   <a:srgbClr val="FF0000"/>
                 </a:solidFill>
@@ -22143,7 +21549,7 @@
               <a:t>memory_barrier</a:t>
             </a:r>
             <a:r>
-              <a:rPr lang="en-US" altLang="en-US" sz="2000" dirty="0">
+              <a:rPr lang="en-US" altLang="en-US" sz="2000" b="1" dirty="0">
                 <a:solidFill>
                   <a:srgbClr val="FF0000"/>
                 </a:solidFill>
@@ -22151,13 +21557,6 @@
                 <a:cs typeface="Courier New" panose="02070309020205020404" pitchFamily="49" charset="0"/>
               </a:rPr>
               <a:t>();</a:t>
-            </a:r>
-            <a:r>
-              <a:rPr lang="en-US" altLang="en-US" sz="2000" dirty="0">
-                <a:latin typeface="Courier New" panose="02070309020205020404" pitchFamily="49" charset="0"/>
-                <a:cs typeface="Courier New" panose="02070309020205020404" pitchFamily="49" charset="0"/>
-              </a:rPr>
-              <a:t/>
             </a:r>
             <a:br>
               <a:rPr lang="en-US" altLang="en-US" sz="2000" dirty="0">
@@ -22170,10 +21569,11 @@
                 <a:latin typeface="Courier New" panose="02070309020205020404" pitchFamily="49" charset="0"/>
                 <a:cs typeface="Courier New" panose="02070309020205020404" pitchFamily="49" charset="0"/>
               </a:rPr>
-              <a:t>  print x</a:t>
-            </a:r>
-          </a:p>
-          <a:p>
+              <a:t>  print x;</a:t>
+            </a:r>
+          </a:p>
+          <a:p>
+            <a:pPr lvl="1"/>
             <a:r>
               <a:rPr lang="en-US" altLang="en-US" sz="2000" dirty="0"/>
               <a:t>Thread 2 now performs</a:t>
@@ -22206,7 +21606,7 @@
               <a:t>  </a:t>
             </a:r>
             <a:r>
-              <a:rPr lang="en-US" altLang="en-US" sz="2000" dirty="0" err="1">
+              <a:rPr lang="en-US" altLang="en-US" sz="2000" b="1" dirty="0" err="1">
                 <a:solidFill>
                   <a:srgbClr val="FF0000"/>
                 </a:solidFill>
@@ -22216,7 +21616,7 @@
               <a:t>memory_barrier</a:t>
             </a:r>
             <a:r>
-              <a:rPr lang="en-US" altLang="en-US" sz="2000" dirty="0">
+              <a:rPr lang="en-US" altLang="en-US" sz="2000" b="1" dirty="0">
                 <a:solidFill>
                   <a:srgbClr val="FF0000"/>
                 </a:solidFill>
@@ -22239,7 +21639,7 @@
                 <a:latin typeface="Courier New" panose="02070309020205020404" pitchFamily="49" charset="0"/>
                 <a:cs typeface="Courier New" panose="02070309020205020404" pitchFamily="49" charset="0"/>
               </a:rPr>
-              <a:t>  flag = true</a:t>
+              <a:t>  flag = true;</a:t>
             </a:r>
           </a:p>
           <a:p>
@@ -22256,23 +21656,7 @@
             </a:r>
             <a:r>
               <a:rPr lang="en-US" altLang="en-US" sz="2000" dirty="0"/>
-              <a:t>Thread </a:t>
-            </a:r>
-            <a:r>
-              <a:rPr lang="en-US" altLang="en-US" sz="2000" dirty="0" smtClean="0"/>
-              <a:t>1, </a:t>
-            </a:r>
-            <a:r>
-              <a:rPr lang="en-US" altLang="en-US" sz="2000" dirty="0"/>
-              <a:t>we are guaranteed that </a:t>
-            </a:r>
-            <a:r>
-              <a:rPr lang="en-US" altLang="en-US" sz="2000" dirty="0" smtClean="0"/>
-              <a:t>the </a:t>
-            </a:r>
-            <a:r>
-              <a:rPr lang="en-US" altLang="en-US" sz="2000" dirty="0"/>
-              <a:t>value of </a:t>
+              <a:t>Thread 1, we are guaranteed that the value of </a:t>
             </a:r>
             <a:r>
               <a:rPr lang="en-US" altLang="en-US" sz="2000" dirty="0">
@@ -22298,7 +21682,7 @@
               <a:t> the value of </a:t>
             </a:r>
             <a:r>
-              <a:rPr lang="en-US" altLang="en-US" sz="2000" dirty="0" smtClean="0">
+              <a:rPr lang="en-US" altLang="en-US" sz="2000" dirty="0">
                 <a:latin typeface="Courier New" panose="02070309020205020404" pitchFamily="49" charset="0"/>
                 <a:cs typeface="Courier New" panose="02070309020205020404" pitchFamily="49" charset="0"/>
               </a:rPr>
@@ -22309,15 +21693,7 @@
           <a:p>
             <a:r>
               <a:rPr lang="en-US" altLang="en-US" sz="2000" dirty="0"/>
-              <a:t>For Thread </a:t>
-            </a:r>
-            <a:r>
-              <a:rPr lang="en-US" altLang="en-US" sz="2000" dirty="0" smtClean="0"/>
-              <a:t>2, </a:t>
-            </a:r>
-            <a:r>
-              <a:rPr lang="en-US" altLang="en-US" sz="2000" dirty="0"/>
-              <a:t>we ensure that the assignment to </a:t>
+              <a:t>For Thread 2, we ensure that the assignment to </a:t>
             </a:r>
             <a:r>
               <a:rPr lang="en-US" altLang="en-US" sz="2000" dirty="0">
@@ -22343,16 +21719,12 @@
               <a:t> the assignment </a:t>
             </a:r>
             <a:r>
-              <a:rPr lang="en-US" altLang="en-US" sz="2000" dirty="0" smtClean="0">
+              <a:rPr lang="en-US" altLang="en-US" sz="2000" dirty="0">
                 <a:latin typeface="Courier New" panose="02070309020205020404" pitchFamily="49" charset="0"/>
                 <a:cs typeface="Courier New" panose="02070309020205020404" pitchFamily="49" charset="0"/>
               </a:rPr>
               <a:t>flag</a:t>
             </a:r>
-            <a:endParaRPr lang="en-US" altLang="en-US" sz="2000" dirty="0">
-              <a:latin typeface="Courier New" panose="02070309020205020404" pitchFamily="49" charset="0"/>
-              <a:cs typeface="Courier New" panose="02070309020205020404" pitchFamily="49" charset="0"/>
-            </a:endParaRPr>
           </a:p>
           <a:p>
             <a:pPr marL="0" indent="0">
@@ -22470,13 +21842,8 @@
             </a:pPr>
             <a:r>
               <a:rPr lang="en-US" altLang="en-US" sz="2400" dirty="0"/>
-              <a:t>Many systems provide hardware support for implementing the critical section </a:t>
-            </a:r>
-            <a:r>
-              <a:rPr lang="en-US" altLang="en-US" sz="2400" dirty="0" smtClean="0"/>
-              <a:t>code</a:t>
-            </a:r>
-            <a:endParaRPr lang="en-US" altLang="en-US" sz="2400" dirty="0"/>
+              <a:t>Many systems provide hardware support for implementing the critical section code</a:t>
+            </a:r>
           </a:p>
           <a:p>
             <a:pPr>
@@ -22555,34 +21922,18 @@
             </a:pPr>
             <a:r>
               <a:rPr lang="en-US" altLang="en-US" sz="2400" dirty="0"/>
-              <a:t>We will look at </a:t>
-            </a:r>
-            <a:r>
-              <a:rPr lang="en-US" altLang="en-US" sz="2400" dirty="0" smtClean="0"/>
-              <a:t>two </a:t>
-            </a:r>
-            <a:r>
-              <a:rPr lang="en-US" altLang="en-US" sz="2400" dirty="0"/>
-              <a:t>forms of hardware support:</a:t>
+              <a:t>We will look at two forms of hardware support:</a:t>
             </a:r>
             <a:br>
               <a:rPr lang="en-US" altLang="en-US" sz="2400" dirty="0"/>
             </a:br>
             <a:r>
-              <a:rPr lang="en-US" altLang="en-US" sz="2400" dirty="0" smtClean="0">
+              <a:rPr lang="en-US" altLang="en-US" sz="2400" dirty="0">
                 <a:solidFill>
                   <a:srgbClr val="CC6600"/>
                 </a:solidFill>
               </a:rPr>
-              <a:t>1</a:t>
-            </a:r>
-            <a:r>
-              <a:rPr lang="en-US" altLang="en-US" sz="2400" dirty="0">
-                <a:solidFill>
-                  <a:srgbClr val="CC6600"/>
-                </a:solidFill>
-              </a:rPr>
-              <a:t>.  </a:t>
+              <a:t>1.  </a:t>
             </a:r>
             <a:r>
               <a:rPr lang="en-US" altLang="en-US" sz="2400" dirty="0"/>
@@ -22592,20 +21943,12 @@
               <a:rPr lang="en-US" altLang="en-US" sz="2400" dirty="0"/>
             </a:br>
             <a:r>
-              <a:rPr lang="en-US" altLang="en-US" sz="2400" dirty="0" smtClean="0">
+              <a:rPr lang="en-US" altLang="en-US" sz="2400" dirty="0">
                 <a:solidFill>
                   <a:srgbClr val="CC6600"/>
                 </a:solidFill>
               </a:rPr>
-              <a:t>2</a:t>
-            </a:r>
-            <a:r>
-              <a:rPr lang="en-US" altLang="en-US" sz="2400" dirty="0">
-                <a:solidFill>
-                  <a:srgbClr val="CC6600"/>
-                </a:solidFill>
-              </a:rPr>
-              <a:t>.  </a:t>
+              <a:t>2.  </a:t>
             </a:r>
             <a:r>
               <a:rPr lang="en-US" altLang="en-US" sz="2400" dirty="0"/>
@@ -22714,11 +22057,7 @@
             </a:r>
             <a:r>
               <a:rPr lang="en-US" altLang="en-US" sz="2400" dirty="0"/>
-              <a:t> the content of a word, or </a:t>
-            </a:r>
-            <a:r>
-              <a:rPr lang="en-US" altLang="en-US" sz="2400" dirty="0" smtClean="0"/>
-              <a:t>to </a:t>
+              <a:t> the content of a word, or to </a:t>
             </a:r>
             <a:r>
               <a:rPr lang="en-US" altLang="en-US" sz="2400" i="1" dirty="0"/>
@@ -22726,13 +22065,8 @@
             </a:r>
             <a:r>
               <a:rPr lang="en-US" altLang="en-US" sz="2400" dirty="0"/>
-              <a:t> the contents of two words atomically (</a:t>
-            </a:r>
-            <a:r>
-              <a:rPr lang="en-US" altLang="en-US" sz="2400" dirty="0" smtClean="0"/>
-              <a:t>uninterruptedly)</a:t>
-            </a:r>
-            <a:endParaRPr lang="en-US" altLang="en-US" sz="2400" dirty="0"/>
+              <a:t> the contents of two words atomically (uninterruptedly)</a:t>
+            </a:r>
           </a:p>
           <a:p>
             <a:pPr lvl="1"/>
@@ -23316,16 +22650,6 @@
               </a:rPr>
               <a:t>do {</a:t>
             </a:r>
-            <a:r>
-              <a:rPr lang="en-US" altLang="en-US" b="1" dirty="0">
-                <a:solidFill>
-                  <a:srgbClr val="000000"/>
-                </a:solidFill>
-                <a:latin typeface="Courier New" panose="02070309020205020404" pitchFamily="49" charset="0"/>
-                <a:cs typeface="Courier New" panose="02070309020205020404" pitchFamily="49" charset="0"/>
-              </a:rPr>
-              <a:t/>
-            </a:r>
             <a:br>
               <a:rPr lang="en-US" altLang="en-US" b="1" dirty="0">
                 <a:solidFill>
@@ -23364,27 +22688,7 @@
                 <a:latin typeface="Courier New" panose="02070309020205020404" pitchFamily="49" charset="0"/>
                 <a:cs typeface="Courier New" panose="02070309020205020404" pitchFamily="49" charset="0"/>
               </a:rPr>
-              <a:t>             </a:t>
-            </a:r>
-            <a:r>
-              <a:rPr lang="en-US" altLang="en-US" b="1" dirty="0" smtClean="0">
-                <a:solidFill>
-                  <a:srgbClr val="000000"/>
-                </a:solidFill>
-                <a:latin typeface="Courier New" panose="02070309020205020404" pitchFamily="49" charset="0"/>
-                <a:cs typeface="Courier New" panose="02070309020205020404" pitchFamily="49" charset="0"/>
-              </a:rPr>
-              <a:t>    ; </a:t>
-            </a:r>
-            <a:r>
-              <a:rPr lang="en-US" altLang="en-US" b="1" dirty="0">
-                <a:solidFill>
-                  <a:srgbClr val="000000"/>
-                </a:solidFill>
-                <a:latin typeface="Courier New" panose="02070309020205020404" pitchFamily="49" charset="0"/>
-                <a:cs typeface="Courier New" panose="02070309020205020404" pitchFamily="49" charset="0"/>
-              </a:rPr>
-              <a:t>/* do nothing */ </a:t>
+              <a:t>                 ; /* do nothing */ </a:t>
             </a:r>
             <a:br>
               <a:rPr lang="en-US" altLang="en-US" b="1" dirty="0">
@@ -23421,37 +22725,7 @@
                 <a:latin typeface="Courier New" panose="02070309020205020404" pitchFamily="49" charset="0"/>
                 <a:cs typeface="Courier New" panose="02070309020205020404" pitchFamily="49" charset="0"/>
               </a:rPr>
-              <a:t>              </a:t>
-            </a:r>
-            <a:r>
-              <a:rPr lang="en-US" altLang="en-US" dirty="0" smtClean="0">
-                <a:solidFill>
-                  <a:srgbClr val="000000"/>
-                </a:solidFill>
-                <a:latin typeface="Courier New" panose="02070309020205020404" pitchFamily="49" charset="0"/>
-                <a:cs typeface="Courier New" panose="02070309020205020404" pitchFamily="49" charset="0"/>
-              </a:rPr>
-              <a:t>/* </a:t>
-            </a:r>
-            <a:r>
-              <a:rPr lang="en-US" altLang="en-US" dirty="0">
-                <a:solidFill>
-                  <a:srgbClr val="000000"/>
-                </a:solidFill>
-                <a:latin typeface="Courier New" panose="02070309020205020404" pitchFamily="49" charset="0"/>
-                <a:cs typeface="Courier New" panose="02070309020205020404" pitchFamily="49" charset="0"/>
-              </a:rPr>
-              <a:t>critical section */ </a:t>
-            </a:r>
-            <a:r>
-              <a:rPr lang="en-US" altLang="en-US" b="1" dirty="0">
-                <a:solidFill>
-                  <a:srgbClr val="000000"/>
-                </a:solidFill>
-                <a:latin typeface="Courier New" panose="02070309020205020404" pitchFamily="49" charset="0"/>
-                <a:cs typeface="Courier New" panose="02070309020205020404" pitchFamily="49" charset="0"/>
-              </a:rPr>
-              <a:t/>
+              <a:t>              /* critical section */ </a:t>
             </a:r>
             <a:br>
               <a:rPr lang="en-US" altLang="en-US" b="1" dirty="0">
@@ -23488,27 +22762,7 @@
                 <a:latin typeface="Courier New" panose="02070309020205020404" pitchFamily="49" charset="0"/>
                 <a:cs typeface="Courier New" panose="02070309020205020404" pitchFamily="49" charset="0"/>
               </a:rPr>
-              <a:t>          </a:t>
-            </a:r>
-            <a:r>
-              <a:rPr lang="en-US" altLang="en-US" b="1" dirty="0" smtClean="0">
-                <a:solidFill>
-                  <a:srgbClr val="000000"/>
-                </a:solidFill>
-                <a:latin typeface="Courier New" panose="02070309020205020404" pitchFamily="49" charset="0"/>
-                <a:cs typeface="Courier New" panose="02070309020205020404" pitchFamily="49" charset="0"/>
-              </a:rPr>
-              <a:t>   lock </a:t>
-            </a:r>
-            <a:r>
-              <a:rPr lang="en-US" altLang="en-US" b="1" dirty="0">
-                <a:solidFill>
-                  <a:srgbClr val="000000"/>
-                </a:solidFill>
-                <a:latin typeface="Courier New" panose="02070309020205020404" pitchFamily="49" charset="0"/>
-                <a:cs typeface="Courier New" panose="02070309020205020404" pitchFamily="49" charset="0"/>
-              </a:rPr>
-              <a:t>= false; </a:t>
+              <a:t>             lock = false; </a:t>
             </a:r>
           </a:p>
           <a:p>
@@ -23529,27 +22783,7 @@
                 <a:latin typeface="Courier New" panose="02070309020205020404" pitchFamily="49" charset="0"/>
                 <a:cs typeface="Courier New" panose="02070309020205020404" pitchFamily="49" charset="0"/>
               </a:rPr>
-              <a:t>              </a:t>
-            </a:r>
-            <a:r>
-              <a:rPr lang="en-US" altLang="en-US" dirty="0" smtClean="0">
-                <a:solidFill>
-                  <a:srgbClr val="000000"/>
-                </a:solidFill>
-                <a:latin typeface="Courier New" panose="02070309020205020404" pitchFamily="49" charset="0"/>
-                <a:cs typeface="Courier New" panose="02070309020205020404" pitchFamily="49" charset="0"/>
-              </a:rPr>
-              <a:t>/* </a:t>
-            </a:r>
-            <a:r>
-              <a:rPr lang="en-US" altLang="en-US" dirty="0">
-                <a:solidFill>
-                  <a:srgbClr val="000000"/>
-                </a:solidFill>
-                <a:latin typeface="Courier New" panose="02070309020205020404" pitchFamily="49" charset="0"/>
-                <a:cs typeface="Courier New" panose="02070309020205020404" pitchFamily="49" charset="0"/>
-              </a:rPr>
-              <a:t>remainder section */ </a:t>
+              <a:t>              /* remainder section */ </a:t>
             </a:r>
           </a:p>
           <a:p>
@@ -23768,13 +23002,8 @@
             </a:r>
             <a:r>
               <a:rPr lang="en-US" altLang="en-US" sz="2800" dirty="0"/>
-              <a:t>, and condition variables can be used to solve the critical section </a:t>
-            </a:r>
-            <a:r>
-              <a:rPr lang="en-US" altLang="en-US" sz="2800" dirty="0" smtClean="0"/>
-              <a:t>problem</a:t>
-            </a:r>
-            <a:endParaRPr lang="en-US" altLang="en-US" sz="2800" dirty="0"/>
+              <a:t>, and condition variables can be used to solve the critical section problem</a:t>
+            </a:r>
           </a:p>
         </p:txBody>
       </p:sp>
@@ -23954,17 +23183,8 @@
               <a:rPr lang="en-US" altLang="en-US" sz="1600" b="1" dirty="0">
                 <a:latin typeface="Courier New" panose="02070309020205020404" pitchFamily="49" charset="0"/>
               </a:rPr>
-              <a:t>     </a:t>
-            </a:r>
-            <a:r>
-              <a:rPr lang="en-US" altLang="en-US" sz="1600" b="1" dirty="0" smtClean="0">
-                <a:latin typeface="Courier New" panose="02070309020205020404" pitchFamily="49" charset="0"/>
-              </a:rPr>
-              <a:t>{                  </a:t>
-            </a:r>
-            <a:endParaRPr lang="en-US" altLang="en-US" sz="1600" b="1" dirty="0">
-              <a:latin typeface="Courier New" panose="02070309020205020404" pitchFamily="49" charset="0"/>
-            </a:endParaRPr>
+              <a:t>     {                  </a:t>
+            </a:r>
           </a:p>
           <a:p>
             <a:pPr>
@@ -24009,19 +23229,7 @@
               <a:rPr lang="en-US" altLang="en-US" sz="1600" b="1" dirty="0">
                 <a:latin typeface="Courier New" panose="02070309020205020404" pitchFamily="49" charset="0"/>
               </a:rPr>
-              <a:t>        if (*value == expected) </a:t>
-            </a:r>
-            <a:r>
-              <a:rPr lang="en-US" altLang="en-US" sz="1600" b="1" dirty="0" smtClean="0">
-                <a:latin typeface="Courier New" panose="02070309020205020404" pitchFamily="49" charset="0"/>
-              </a:rPr>
-              <a:t>*</a:t>
-            </a:r>
-            <a:r>
-              <a:rPr lang="en-US" altLang="en-US" sz="1600" b="1" dirty="0">
-                <a:latin typeface="Courier New" panose="02070309020205020404" pitchFamily="49" charset="0"/>
-              </a:rPr>
-              <a:t>value = </a:t>
+              <a:t>        if (*value == expected) *value = </a:t>
             </a:r>
             <a:r>
               <a:rPr lang="en-US" altLang="en-US" sz="1600" b="1" dirty="0" err="1">
@@ -24050,19 +23258,7 @@
               <a:rPr lang="en-US" altLang="en-US" sz="1600" b="1" dirty="0">
                 <a:latin typeface="Courier New" panose="02070309020205020404" pitchFamily="49" charset="0"/>
               </a:rPr>
-              <a:t>        </a:t>
-            </a:r>
-            <a:r>
-              <a:rPr lang="en-US" altLang="en-US" sz="1600" b="1" dirty="0" smtClean="0">
-                <a:latin typeface="Courier New" panose="02070309020205020404" pitchFamily="49" charset="0"/>
-              </a:rPr>
-              <a:t>return </a:t>
-            </a:r>
-            <a:r>
-              <a:rPr lang="en-US" altLang="en-US" sz="1600" b="1" dirty="0">
-                <a:latin typeface="Courier New" panose="02070309020205020404" pitchFamily="49" charset="0"/>
-              </a:rPr>
-              <a:t>temp; </a:t>
+              <a:t>        return temp; </a:t>
             </a:r>
           </a:p>
           <a:p>
@@ -24079,13 +23275,7 @@
               <a:rPr lang="en-US" altLang="en-US" sz="2000" b="1" dirty="0">
                 <a:latin typeface="Courier New" panose="02070309020205020404" pitchFamily="49" charset="0"/>
               </a:rPr>
-              <a:t>    </a:t>
-            </a:r>
-            <a:r>
-              <a:rPr lang="en-US" altLang="en-US" sz="2000" b="1" dirty="0" smtClean="0">
-                <a:latin typeface="Courier New" panose="02070309020205020404" pitchFamily="49" charset="0"/>
-              </a:rPr>
-              <a:t>} </a:t>
+              <a:t>    } </a:t>
             </a:r>
             <a:endParaRPr lang="en-US" altLang="en-US" sz="2000" dirty="0"/>
           </a:p>
@@ -24154,28 +23344,15 @@
             </a:r>
             <a:r>
               <a:rPr lang="en-US" altLang="en-US" sz="2000" dirty="0"/>
-              <a:t>is </a:t>
-            </a:r>
-            <a:r>
-              <a:rPr lang="en-US" altLang="en-US" sz="2000" dirty="0" smtClean="0"/>
-              <a:t>true</a:t>
+              <a:t>is true</a:t>
             </a:r>
           </a:p>
           <a:p>
             <a:pPr lvl="2"/>
             <a:r>
-              <a:rPr lang="en-US" altLang="en-US" sz="2000" dirty="0" smtClean="0"/>
-              <a:t>That </a:t>
-            </a:r>
-            <a:r>
               <a:rPr lang="en-US" altLang="en-US" sz="2000" dirty="0"/>
-              <a:t>is, the swap takes place only under this </a:t>
-            </a:r>
-            <a:r>
-              <a:rPr lang="en-US" altLang="en-US" sz="2000" dirty="0" smtClean="0"/>
-              <a:t>condition</a:t>
-            </a:r>
-            <a:endParaRPr lang="en-US" altLang="en-US" sz="2000" dirty="0"/>
+              <a:t>That is, the swap takes place only under this condition</a:t>
+            </a:r>
           </a:p>
           <a:p>
             <a:pPr lvl="1"/>
@@ -24358,30 +23535,18 @@
               <a:rPr lang="en-US" altLang="en-US" dirty="0">
                 <a:latin typeface="Courier New" panose="02070309020205020404" pitchFamily="49" charset="0"/>
               </a:rPr>
-              <a:t>while (true</a:t>
-            </a:r>
-            <a:r>
-              <a:rPr lang="en-US" altLang="en-US" dirty="0" smtClean="0">
-                <a:latin typeface="Courier New" panose="02070309020205020404" pitchFamily="49" charset="0"/>
-              </a:rPr>
-              <a:t>)</a:t>
+              <a:t>while (true)</a:t>
             </a:r>
             <a:br>
-              <a:rPr lang="en-US" altLang="en-US" dirty="0" smtClean="0">
+              <a:rPr lang="en-US" altLang="en-US" dirty="0">
                 <a:latin typeface="Courier New" panose="02070309020205020404" pitchFamily="49" charset="0"/>
               </a:rPr>
             </a:br>
             <a:r>
-              <a:rPr lang="en-US" altLang="en-US" dirty="0" smtClean="0">
+              <a:rPr lang="en-US" altLang="en-US" dirty="0">
                 <a:latin typeface="Courier New" panose="02070309020205020404" pitchFamily="49" charset="0"/>
               </a:rPr>
               <a:t>    {</a:t>
-            </a:r>
-            <a:r>
-              <a:rPr lang="en-US" altLang="en-US" b="1" dirty="0">
-                <a:latin typeface="Courier New" panose="02070309020205020404" pitchFamily="49" charset="0"/>
-              </a:rPr>
-              <a:t/>
             </a:r>
             <a:br>
               <a:rPr lang="en-US" altLang="en-US" b="1" dirty="0">
@@ -24513,17 +23678,8 @@
               <a:rPr lang="en-US" altLang="en-US" dirty="0">
                 <a:latin typeface="Courier New" panose="02070309020205020404" pitchFamily="49" charset="0"/>
               </a:rPr>
-              <a:t>      </a:t>
-            </a:r>
-            <a:r>
-              <a:rPr lang="en-US" altLang="en-US" dirty="0" smtClean="0">
-                <a:latin typeface="Courier New" panose="02070309020205020404" pitchFamily="49" charset="0"/>
-              </a:rPr>
-              <a:t> } </a:t>
-            </a:r>
-            <a:endParaRPr lang="en-US" altLang="en-US" dirty="0">
-              <a:latin typeface="Courier New" panose="02070309020205020404" pitchFamily="49" charset="0"/>
-            </a:endParaRPr>
+              <a:t>       } </a:t>
+            </a:r>
           </a:p>
           <a:p>
             <a:pPr>
@@ -24685,12 +23841,6 @@
               </a:rPr>
               <a:t>while (true) {</a:t>
             </a:r>
-            <a:r>
-              <a:rPr lang="en-US" altLang="en-US" sz="1600" b="1" dirty="0">
-                <a:latin typeface="Courier New" panose="02070309020205020404" pitchFamily="49" charset="0"/>
-              </a:rPr>
-              <a:t/>
-            </a:r>
             <a:br>
               <a:rPr lang="en-US" altLang="en-US" sz="1600" b="1" dirty="0">
                 <a:latin typeface="Courier New" panose="02070309020205020404" pitchFamily="49" charset="0"/>
@@ -25050,13 +24200,8 @@
           <a:p>
             <a:r>
               <a:rPr lang="en-US" altLang="en-US" sz="2000" dirty="0"/>
-              <a:t>Typically, instructions such as compare-and-swap are used as building blocks for other synchronization </a:t>
-            </a:r>
-            <a:r>
-              <a:rPr lang="en-US" altLang="en-US" sz="2000" dirty="0" smtClean="0"/>
-              <a:t>tools</a:t>
-            </a:r>
-            <a:endParaRPr lang="en-US" altLang="en-US" sz="2000" dirty="0"/>
+              <a:t>Typically, instructions such as compare-and-swap are used as building blocks for other synchronization tools</a:t>
+            </a:r>
           </a:p>
           <a:p>
             <a:r>
@@ -25080,7 +24225,7 @@
               <a:t> (uninterruptible) updates on basic data types such as integers and </a:t>
             </a:r>
             <a:r>
-              <a:rPr lang="en-US" altLang="en-US" sz="2000" dirty="0" err="1" smtClean="0"/>
+              <a:rPr lang="en-US" altLang="en-US" sz="2000" dirty="0" err="1"/>
               <a:t>booleans</a:t>
             </a:r>
             <a:endParaRPr lang="en-US" altLang="en-US" sz="2000" dirty="0"/>
@@ -25185,15 +24330,7 @@
             </a:r>
             <a:r>
               <a:rPr lang="en-US" altLang="en-US" sz="2000" dirty="0"/>
-              <a:t> is incremented without </a:t>
-            </a:r>
-            <a:r>
-              <a:rPr lang="en-US" altLang="en-US" sz="2000" dirty="0" smtClean="0"/>
-              <a:t>interruption</a:t>
-            </a:r>
-            <a:r>
-              <a:rPr lang="en-US" altLang="en-US" dirty="0"/>
-              <a:t/>
+              <a:t> is incremented without interruption</a:t>
             </a:r>
             <a:br>
               <a:rPr lang="en-US" altLang="en-US" dirty="0"/>
@@ -25310,10 +24447,6 @@
             <a:br>
               <a:rPr lang="en-US" altLang="en-US" sz="2400" dirty="0"/>
             </a:br>
-            <a:r>
-              <a:rPr lang="en-US" altLang="en-US" sz="2400" dirty="0"/>
-              <a:t/>
-            </a:r>
             <a:br>
               <a:rPr lang="en-US" altLang="en-US" sz="2400" dirty="0"/>
             </a:br>
@@ -25431,34 +24564,7 @@
                 <a:latin typeface="Courier New" panose="02070309020205020404" pitchFamily="49" charset="0"/>
                 <a:cs typeface="Courier New" panose="02070309020205020404" pitchFamily="49" charset="0"/>
               </a:rPr>
-              <a:t>(v,temp,temp+1</a:t>
-            </a:r>
-            <a:r>
-              <a:rPr lang="en-US" altLang="en-US" sz="2400" b="1" dirty="0" smtClean="0">
-                <a:latin typeface="Courier New" panose="02070309020205020404" pitchFamily="49" charset="0"/>
-                <a:cs typeface="Courier New" panose="02070309020205020404" pitchFamily="49" charset="0"/>
-              </a:rPr>
-              <a:t>))</a:t>
-            </a:r>
-            <a:br>
-              <a:rPr lang="en-US" altLang="en-US" sz="2400" b="1" dirty="0" smtClean="0">
-                <a:latin typeface="Courier New" panose="02070309020205020404" pitchFamily="49" charset="0"/>
-                <a:cs typeface="Courier New" panose="02070309020205020404" pitchFamily="49" charset="0"/>
-              </a:rPr>
-            </a:br>
-            <a:r>
-              <a:rPr lang="en-US" altLang="en-US" sz="2400" b="1" dirty="0" smtClean="0">
-                <a:latin typeface="Courier New" panose="02070309020205020404" pitchFamily="49" charset="0"/>
-                <a:cs typeface="Courier New" panose="02070309020205020404" pitchFamily="49" charset="0"/>
-              </a:rPr>
-              <a:t>      ;</a:t>
-            </a:r>
-            <a:r>
-              <a:rPr lang="en-US" altLang="en-US" sz="2400" b="1" dirty="0">
-                <a:latin typeface="Courier New" panose="02070309020205020404" pitchFamily="49" charset="0"/>
-                <a:cs typeface="Courier New" panose="02070309020205020404" pitchFamily="49" charset="0"/>
-              </a:rPr>
-              <a:t/>
+              <a:t>(v,temp,temp+1))</a:t>
             </a:r>
             <a:br>
               <a:rPr lang="en-US" altLang="en-US" sz="2400" b="1" dirty="0">
@@ -25471,14 +24577,20 @@
                 <a:latin typeface="Courier New" panose="02070309020205020404" pitchFamily="49" charset="0"/>
                 <a:cs typeface="Courier New" panose="02070309020205020404" pitchFamily="49" charset="0"/>
               </a:rPr>
+              <a:t>      ;</a:t>
+            </a:r>
+            <a:br>
+              <a:rPr lang="en-US" altLang="en-US" sz="2400" b="1" dirty="0">
+                <a:latin typeface="Courier New" panose="02070309020205020404" pitchFamily="49" charset="0"/>
+                <a:cs typeface="Courier New" panose="02070309020205020404" pitchFamily="49" charset="0"/>
+              </a:rPr>
+            </a:br>
+            <a:r>
+              <a:rPr lang="en-US" altLang="en-US" sz="2400" b="1" dirty="0">
+                <a:latin typeface="Courier New" panose="02070309020205020404" pitchFamily="49" charset="0"/>
+                <a:cs typeface="Courier New" panose="02070309020205020404" pitchFamily="49" charset="0"/>
+              </a:rPr>
               <a:t>} </a:t>
-            </a:r>
-            <a:r>
-              <a:rPr lang="en-US" altLang="en-US" b="1" dirty="0">
-                <a:latin typeface="Courier New" panose="02070309020205020404" pitchFamily="49" charset="0"/>
-                <a:cs typeface="Courier New" panose="02070309020205020404" pitchFamily="49" charset="0"/>
-              </a:rPr>
-              <a:t/>
             </a:r>
             <a:br>
               <a:rPr lang="en-US" altLang="en-US" b="1" dirty="0">
@@ -25486,10 +24598,6 @@
                 <a:cs typeface="Courier New" panose="02070309020205020404" pitchFamily="49" charset="0"/>
               </a:rPr>
             </a:br>
-            <a:r>
-              <a:rPr lang="en-US" altLang="en-US" dirty="0"/>
-              <a:t/>
-            </a:r>
             <a:br>
               <a:rPr lang="en-US" altLang="en-US" dirty="0"/>
             </a:br>
@@ -25641,13 +24749,8 @@
             </a:pPr>
             <a:r>
               <a:rPr lang="en-US" altLang="en-US" sz="2000" dirty="0"/>
-              <a:t>Protect a critical section </a:t>
-            </a:r>
-            <a:r>
-              <a:rPr lang="en-US" altLang="en-US" sz="2000" dirty="0" smtClean="0"/>
-              <a:t>by </a:t>
-            </a:r>
-            <a:endParaRPr lang="en-US" altLang="en-US" sz="2000" dirty="0"/>
+              <a:t>Protect a critical section by </a:t>
+            </a:r>
           </a:p>
           <a:p>
             <a:pPr lvl="1">
@@ -25756,13 +24859,8 @@
             </a:pPr>
             <a:r>
               <a:rPr lang="en-US" altLang="en-US" sz="2000" dirty="0"/>
-              <a:t>Usually implemented via hardware atomic instructions such as </a:t>
-            </a:r>
-            <a:r>
-              <a:rPr lang="en-US" altLang="en-US" sz="2000" dirty="0" smtClean="0"/>
-              <a:t>compare-and-swap</a:t>
-            </a:r>
-            <a:endParaRPr lang="en-US" altLang="en-US" sz="2000" dirty="0"/>
+              <a:t>Usually implemented via hardware atomic instructions such as compare-and-swap</a:t>
+            </a:r>
           </a:p>
           <a:p>
             <a:pPr>
@@ -25957,22 +25055,13 @@
               <a:t>	 </a:t>
             </a:r>
             <a:r>
-              <a:rPr lang="en-US" altLang="en-US" sz="2400" dirty="0" smtClean="0">
-                <a:solidFill>
-                  <a:srgbClr val="000000"/>
-                </a:solidFill>
-                <a:latin typeface="Courier New" panose="02070309020205020404" pitchFamily="49" charset="0"/>
-              </a:rPr>
-              <a:t>critical </a:t>
-            </a:r>
-            <a:r>
               <a:rPr lang="en-US" altLang="en-US" sz="2400" dirty="0">
                 <a:solidFill>
                   <a:srgbClr val="000000"/>
                 </a:solidFill>
                 <a:latin typeface="Courier New" panose="02070309020205020404" pitchFamily="49" charset="0"/>
               </a:rPr>
-              <a:t>section </a:t>
+              <a:t>critical section </a:t>
             </a:r>
           </a:p>
           <a:p>
@@ -26023,7 +25112,7 @@
               <a:buNone/>
             </a:pPr>
             <a:r>
-              <a:rPr lang="en-US" altLang="en-US" sz="2400" b="1" dirty="0" smtClean="0">
+              <a:rPr lang="en-US" altLang="en-US" sz="2400" b="1" dirty="0">
                 <a:solidFill>
                   <a:srgbClr val="000000"/>
                 </a:solidFill>
@@ -26032,22 +25121,13 @@
               <a:t>      </a:t>
             </a:r>
             <a:r>
-              <a:rPr lang="en-US" altLang="en-US" sz="2400" dirty="0" smtClean="0">
-                <a:solidFill>
-                  <a:srgbClr val="000000"/>
-                </a:solidFill>
-                <a:latin typeface="Courier New" panose="02070309020205020404" pitchFamily="49" charset="0"/>
-              </a:rPr>
-              <a:t>remainder </a:t>
-            </a:r>
-            <a:r>
               <a:rPr lang="en-US" altLang="en-US" sz="2400" dirty="0">
                 <a:solidFill>
                   <a:srgbClr val="000000"/>
                 </a:solidFill>
                 <a:latin typeface="Courier New" panose="02070309020205020404" pitchFamily="49" charset="0"/>
               </a:rPr>
-              <a:t>section </a:t>
+              <a:t>remainder section </a:t>
             </a:r>
           </a:p>
           <a:p>
@@ -26310,11 +25390,7 @@
             </a:pPr>
             <a:r>
               <a:rPr lang="en-US" altLang="en-US" dirty="0"/>
-              <a:t>Synchronization tool that provides more sophisticated ways (than Mutex locks)  for processes to synchronize their </a:t>
-            </a:r>
-            <a:r>
-              <a:rPr lang="en-US" altLang="en-US" dirty="0" smtClean="0"/>
-              <a:t>activities</a:t>
+              <a:t>Synchronization tool that provides more sophisticated ways (than Mutex locks)  for processes to synchronize their activities</a:t>
             </a:r>
             <a:endParaRPr lang="en-US" altLang="en-US" i="1" dirty="0">
               <a:solidFill>
@@ -26329,7 +25405,7 @@
               </a:lnSpc>
             </a:pPr>
             <a:r>
-              <a:rPr lang="en-US" altLang="en-US" dirty="0" smtClean="0"/>
+              <a:rPr lang="en-US" altLang="en-US" dirty="0"/>
               <a:t>Semaphore </a:t>
             </a:r>
             <a:r>
@@ -26438,11 +25514,7 @@
             </a:pPr>
             <a:r>
               <a:rPr lang="en-US" altLang="en-US" dirty="0"/>
-              <a:t>Definition of </a:t>
-            </a:r>
-            <a:r>
-              <a:rPr lang="en-US" altLang="en-US" dirty="0" smtClean="0"/>
-              <a:t>the </a:t>
+              <a:t>Definition of the </a:t>
             </a:r>
             <a:r>
               <a:rPr lang="en-US" altLang="en-US" sz="2000" b="1" dirty="0">
@@ -26569,11 +25641,7 @@
             </a:pPr>
             <a:r>
               <a:rPr lang="en-US" altLang="en-US" dirty="0"/>
-              <a:t>Definition of </a:t>
-            </a:r>
-            <a:r>
-              <a:rPr lang="en-US" altLang="en-US" dirty="0" smtClean="0"/>
-              <a:t>the </a:t>
+              <a:t>Definition of the </a:t>
             </a:r>
             <a:r>
               <a:rPr lang="en-US" altLang="en-US" sz="2000" b="1" dirty="0">
@@ -27591,29 +26659,8 @@
             <a:pPr lvl="1"/>
             <a:r>
               <a:rPr lang="en-US" altLang="en-US" sz="2400" dirty="0"/>
-              <a:t>We illustrated </a:t>
-            </a:r>
-            <a:r>
-              <a:rPr lang="en-US" altLang="en-US" sz="2400" dirty="0" smtClean="0"/>
-              <a:t>the </a:t>
-            </a:r>
-            <a:r>
-              <a:rPr lang="en-US" altLang="en-US" sz="2400" dirty="0"/>
-              <a:t>problem in Chapter 4 when we considered the Bounded Buffer problem with use of a counter that is updated concurrently by the producer and consumer</a:t>
-            </a:r>
-            <a:r>
-              <a:rPr lang="en-US" altLang="en-US" sz="2400" dirty="0" smtClean="0"/>
-              <a:t>, which leads </a:t>
-            </a:r>
-            <a:r>
-              <a:rPr lang="en-US" altLang="en-US" sz="2400" dirty="0"/>
-              <a:t>to race </a:t>
-            </a:r>
-            <a:r>
-              <a:rPr lang="en-US" altLang="en-US" sz="2400" dirty="0" smtClean="0"/>
-              <a:t>condition</a:t>
-            </a:r>
-            <a:endParaRPr lang="en-US" altLang="en-US" sz="2400" dirty="0"/>
+              <a:t>We illustrated the problem in Chapter 4 when we considered the Bounded Buffer problem with use of a counter that is updated concurrently by the producer and consumer, which leads to race condition</a:t>
+            </a:r>
           </a:p>
         </p:txBody>
       </p:sp>
@@ -27704,11 +26751,7 @@
           <a:p>
             <a:r>
               <a:rPr lang="en-US" altLang="en-US" sz="2000" dirty="0"/>
-              <a:t>Must guarantee that no two processes can execute </a:t>
-            </a:r>
-            <a:r>
-              <a:rPr lang="en-US" altLang="en-US" sz="2000" dirty="0" smtClean="0"/>
-              <a:t>the </a:t>
+              <a:t>Must guarantee that no two processes can execute the </a:t>
             </a:r>
             <a:r>
               <a:rPr lang="en-US" altLang="en-US" sz="2400" b="1" dirty="0">
@@ -27793,13 +26836,8 @@
           <a:p>
             <a:r>
               <a:rPr lang="en-US" altLang="en-US" sz="2000" dirty="0"/>
-              <a:t>Note that applications may spend lots of time in critical sections and therefore this is not a good </a:t>
-            </a:r>
-            <a:r>
-              <a:rPr lang="en-US" altLang="en-US" sz="2000" dirty="0" smtClean="0"/>
-              <a:t>solution</a:t>
-            </a:r>
-            <a:endParaRPr lang="en-US" altLang="en-US" sz="2000" dirty="0"/>
+              <a:t>Note that applications may spend lots of time in critical sections and therefore this is not a good solution</a:t>
+            </a:r>
           </a:p>
         </p:txBody>
       </p:sp>
@@ -28098,31 +27136,19 @@
               <a:rPr lang="en-US" altLang="en-US" sz="2400" b="1" dirty="0">
                 <a:latin typeface="Courier New" panose="02070309020205020404" pitchFamily="49" charset="0"/>
               </a:rPr>
-              <a:t>   	</a:t>
-            </a:r>
-            <a:r>
-              <a:rPr lang="en-US" altLang="en-US" sz="2400" b="1" dirty="0" smtClean="0">
-                <a:latin typeface="Courier New" panose="02070309020205020404" pitchFamily="49" charset="0"/>
-              </a:rPr>
-              <a:t> </a:t>
-            </a:r>
-            <a:r>
-              <a:rPr lang="en-US" altLang="en-US" sz="2400" b="1" dirty="0" err="1" smtClean="0">
+              <a:t>   	 </a:t>
+            </a:r>
+            <a:r>
+              <a:rPr lang="en-US" altLang="en-US" sz="2400" b="1" dirty="0" err="1">
                 <a:latin typeface="Courier New" panose="02070309020205020404" pitchFamily="49" charset="0"/>
               </a:rPr>
               <a:t>int</a:t>
             </a:r>
             <a:r>
-              <a:rPr lang="en-US" altLang="en-US" sz="2400" b="1" dirty="0" smtClean="0">
-                <a:latin typeface="Courier New" panose="02070309020205020404" pitchFamily="49" charset="0"/>
-              </a:rPr>
-              <a:t> </a:t>
-            </a:r>
-            <a:r>
               <a:rPr lang="en-US" altLang="en-US" sz="2400" b="1" dirty="0">
                 <a:latin typeface="Courier New" panose="02070309020205020404" pitchFamily="49" charset="0"/>
               </a:rPr>
-              <a:t>value; </a:t>
+              <a:t> value; </a:t>
             </a:r>
           </a:p>
           <a:p>
@@ -28134,31 +27160,19 @@
               <a:rPr lang="en-US" altLang="en-US" sz="2400" b="1" dirty="0">
                 <a:latin typeface="Courier New" panose="02070309020205020404" pitchFamily="49" charset="0"/>
               </a:rPr>
-              <a:t>   	</a:t>
-            </a:r>
-            <a:r>
-              <a:rPr lang="en-US" altLang="en-US" sz="2400" b="1" dirty="0" smtClean="0">
-                <a:latin typeface="Courier New" panose="02070309020205020404" pitchFamily="49" charset="0"/>
-              </a:rPr>
-              <a:t> </a:t>
-            </a:r>
-            <a:r>
-              <a:rPr lang="en-US" altLang="en-US" sz="2400" b="1" dirty="0" err="1" smtClean="0">
+              <a:t>   	 </a:t>
+            </a:r>
+            <a:r>
+              <a:rPr lang="en-US" altLang="en-US" sz="2400" b="1" dirty="0" err="1">
                 <a:latin typeface="Courier New" panose="02070309020205020404" pitchFamily="49" charset="0"/>
               </a:rPr>
               <a:t>struct</a:t>
             </a:r>
             <a:r>
-              <a:rPr lang="en-US" altLang="en-US" sz="2400" b="1" dirty="0" smtClean="0">
-                <a:latin typeface="Courier New" panose="02070309020205020404" pitchFamily="49" charset="0"/>
-              </a:rPr>
-              <a:t> </a:t>
-            </a:r>
-            <a:r>
               <a:rPr lang="en-US" altLang="en-US" sz="2400" b="1" dirty="0">
                 <a:latin typeface="Courier New" panose="02070309020205020404" pitchFamily="49" charset="0"/>
               </a:rPr>
-              <a:t>process *list; </a:t>
+              <a:t> process *list; </a:t>
             </a:r>
           </a:p>
           <a:p>
@@ -28291,16 +27305,10 @@
               <a:buNone/>
             </a:pPr>
             <a:r>
-              <a:rPr lang="en-US" altLang="en-US" b="1" dirty="0" smtClean="0">
-                <a:latin typeface="Courier New" panose="02070309020205020404" pitchFamily="49" charset="0"/>
-              </a:rPr>
-              <a:t>wait(semaphore </a:t>
-            </a:r>
-            <a:r>
               <a:rPr lang="en-US" altLang="en-US" b="1" dirty="0">
                 <a:latin typeface="Courier New" panose="02070309020205020404" pitchFamily="49" charset="0"/>
               </a:rPr>
-              <a:t>*S) { </a:t>
+              <a:t>wait(semaphore *S) { </a:t>
             </a:r>
           </a:p>
           <a:p>
@@ -28613,21 +27621,21 @@
               <a:t>mutex</a:t>
             </a:r>
             <a:r>
-              <a:rPr lang="en-US" altLang="en-US" sz="2400" b="1" dirty="0" smtClean="0">
+              <a:rPr lang="en-US" altLang="en-US" sz="2400" b="1" dirty="0">
                 <a:latin typeface="Courier New" panose="02070309020205020404" pitchFamily="49" charset="0"/>
                 <a:cs typeface="Courier New" panose="02070309020205020404" pitchFamily="49" charset="0"/>
               </a:rPr>
               <a:t>) … wait(</a:t>
             </a:r>
             <a:r>
-              <a:rPr lang="en-US" altLang="en-US" sz="2400" b="1" dirty="0" err="1" smtClean="0">
+              <a:rPr lang="en-US" altLang="en-US" sz="2400" b="1" dirty="0" err="1">
                 <a:latin typeface="Courier New" panose="02070309020205020404" pitchFamily="49" charset="0"/>
                 <a:cs typeface="Courier New" panose="02070309020205020404" pitchFamily="49" charset="0"/>
               </a:rPr>
               <a:t>mutex</a:t>
             </a:r>
             <a:r>
-              <a:rPr lang="en-US" altLang="en-US" sz="2400" b="1" dirty="0" smtClean="0">
+              <a:rPr lang="en-US" altLang="en-US" sz="2400" b="1" dirty="0">
                 <a:latin typeface="Courier New" panose="02070309020205020404" pitchFamily="49" charset="0"/>
                 <a:cs typeface="Courier New" panose="02070309020205020404" pitchFamily="49" charset="0"/>
               </a:rPr>
@@ -28637,48 +27645,44 @@
           <a:p>
             <a:pPr lvl="1"/>
             <a:r>
-              <a:rPr lang="en-US" altLang="en-US" sz="2400" dirty="0" smtClean="0"/>
+              <a:rPr lang="en-US" altLang="en-US" sz="2400" dirty="0"/>
               <a:t> </a:t>
             </a:r>
             <a:r>
-              <a:rPr lang="en-US" altLang="en-US" sz="2400" b="1" dirty="0" smtClean="0">
+              <a:rPr lang="en-US" altLang="en-US" sz="2400" b="1" dirty="0">
                 <a:latin typeface="Courier New" panose="02070309020205020404" pitchFamily="49" charset="0"/>
                 <a:cs typeface="Courier New" panose="02070309020205020404" pitchFamily="49" charset="0"/>
               </a:rPr>
               <a:t>wait(</a:t>
             </a:r>
             <a:r>
-              <a:rPr lang="en-US" altLang="en-US" sz="2400" b="1" dirty="0" err="1" smtClean="0">
+              <a:rPr lang="en-US" altLang="en-US" sz="2400" b="1" dirty="0" err="1">
                 <a:latin typeface="Courier New" panose="02070309020205020404" pitchFamily="49" charset="0"/>
                 <a:cs typeface="Courier New" panose="02070309020205020404" pitchFamily="49" charset="0"/>
               </a:rPr>
               <a:t>mutex</a:t>
             </a:r>
             <a:r>
-              <a:rPr lang="en-US" altLang="en-US" sz="2400" b="1" dirty="0" smtClean="0">
+              <a:rPr lang="en-US" altLang="en-US" sz="2400" b="1" dirty="0">
                 <a:latin typeface="Courier New" panose="02070309020205020404" pitchFamily="49" charset="0"/>
                 <a:cs typeface="Courier New" panose="02070309020205020404" pitchFamily="49" charset="0"/>
               </a:rPr>
               <a:t>)  …  wait(</a:t>
             </a:r>
             <a:r>
-              <a:rPr lang="en-US" altLang="en-US" sz="2400" b="1" dirty="0" err="1" smtClean="0">
+              <a:rPr lang="en-US" altLang="en-US" sz="2400" b="1" dirty="0" err="1">
                 <a:latin typeface="Courier New" panose="02070309020205020404" pitchFamily="49" charset="0"/>
                 <a:cs typeface="Courier New" panose="02070309020205020404" pitchFamily="49" charset="0"/>
               </a:rPr>
               <a:t>mutex</a:t>
             </a:r>
             <a:r>
-              <a:rPr lang="en-US" altLang="en-US" sz="2400" b="1" dirty="0" smtClean="0">
+              <a:rPr lang="en-US" altLang="en-US" sz="2400" b="1" dirty="0">
                 <a:latin typeface="Courier New" panose="02070309020205020404" pitchFamily="49" charset="0"/>
                 <a:cs typeface="Courier New" panose="02070309020205020404" pitchFamily="49" charset="0"/>
               </a:rPr>
               <a:t>)</a:t>
             </a:r>
-            <a:endParaRPr lang="en-US" altLang="en-US" sz="2400" b="1" dirty="0">
-              <a:latin typeface="Courier New" panose="02070309020205020404" pitchFamily="49" charset="0"/>
-              <a:cs typeface="Courier New" panose="02070309020205020404" pitchFamily="49" charset="0"/>
-            </a:endParaRPr>
           </a:p>
           <a:p>
             <a:pPr lvl="1"/>
@@ -28713,13 +27717,8 @@
           <a:p>
             <a:r>
               <a:rPr lang="en-US" altLang="en-US" sz="2400" dirty="0"/>
-              <a:t>These – and others – are examples of what can occur when semaphores and other synchronization tools are used </a:t>
-            </a:r>
-            <a:r>
-              <a:rPr lang="en-US" altLang="en-US" sz="2400" dirty="0" smtClean="0"/>
-              <a:t>incorrectly</a:t>
-            </a:r>
-            <a:endParaRPr lang="en-US" altLang="en-US" sz="2400" dirty="0"/>
+              <a:t>These – and others – are examples of what can occur when semaphores and other synchronization tools are used incorrectly</a:t>
+            </a:r>
           </a:p>
           <a:p>
             <a:endParaRPr lang="en-US" altLang="en-US" dirty="0"/>
@@ -28929,25 +27928,7 @@
                 </a:solidFill>
                 <a:latin typeface="Courier New" panose="02070309020205020404" pitchFamily="49" charset="0"/>
               </a:rPr>
-              <a:t>	</a:t>
-            </a:r>
-            <a:r>
-              <a:rPr lang="en-US" altLang="en-US" b="1" dirty="0" smtClean="0">
-                <a:solidFill>
-                  <a:srgbClr val="000000"/>
-                </a:solidFill>
-                <a:latin typeface="Courier New" panose="02070309020205020404" pitchFamily="49" charset="0"/>
-              </a:rPr>
-              <a:t> // </a:t>
-            </a:r>
-            <a:r>
-              <a:rPr lang="en-US" altLang="en-US" b="1" dirty="0">
-                <a:solidFill>
-                  <a:srgbClr val="000000"/>
-                </a:solidFill>
-                <a:latin typeface="Courier New" panose="02070309020205020404" pitchFamily="49" charset="0"/>
-              </a:rPr>
-              <a:t>shared variable declarations</a:t>
+              <a:t>	 // shared variable declarations</a:t>
             </a:r>
           </a:p>
           <a:p>
@@ -28965,43 +27946,7 @@
                 </a:solidFill>
                 <a:latin typeface="Courier New" panose="02070309020205020404" pitchFamily="49" charset="0"/>
               </a:rPr>
-              <a:t>	</a:t>
-            </a:r>
-            <a:r>
-              <a:rPr lang="en-US" altLang="en-US" b="1" dirty="0" smtClean="0">
-                <a:solidFill>
-                  <a:srgbClr val="000000"/>
-                </a:solidFill>
-                <a:latin typeface="Courier New" panose="02070309020205020404" pitchFamily="49" charset="0"/>
-              </a:rPr>
-              <a:t> procedure </a:t>
-            </a:r>
-            <a:r>
-              <a:rPr lang="en-US" altLang="en-US" b="1" dirty="0">
-                <a:solidFill>
-                  <a:srgbClr val="000000"/>
-                </a:solidFill>
-                <a:latin typeface="Courier New" panose="02070309020205020404" pitchFamily="49" charset="0"/>
-              </a:rPr>
-              <a:t>P1 (…) { </a:t>
-            </a:r>
-            <a:r>
-              <a:rPr lang="en-US" altLang="en-US" b="1" dirty="0" smtClean="0">
-                <a:solidFill>
-                  <a:srgbClr val="000000"/>
-                </a:solidFill>
-                <a:latin typeface="Courier New" panose="02070309020205020404" pitchFamily="49" charset="0"/>
-              </a:rPr>
-              <a:t>… </a:t>
-            </a:r>
-            <a:r>
-              <a:rPr lang="en-US" altLang="en-US" b="1" dirty="0">
-                <a:solidFill>
-                  <a:srgbClr val="000000"/>
-                </a:solidFill>
-                <a:latin typeface="Courier New" panose="02070309020205020404" pitchFamily="49" charset="0"/>
-              </a:rPr>
-              <a:t>}</a:t>
+              <a:t>	 procedure P1 (…) { … }</a:t>
             </a:r>
           </a:p>
           <a:p>
@@ -29019,43 +27964,7 @@
                 </a:solidFill>
                 <a:latin typeface="Courier New" panose="02070309020205020404" pitchFamily="49" charset="0"/>
               </a:rPr>
-              <a:t>	</a:t>
-            </a:r>
-            <a:r>
-              <a:rPr lang="en-US" altLang="en-US" b="1" dirty="0" smtClean="0">
-                <a:solidFill>
-                  <a:srgbClr val="000000"/>
-                </a:solidFill>
-                <a:latin typeface="Courier New" panose="02070309020205020404" pitchFamily="49" charset="0"/>
-              </a:rPr>
-              <a:t> procedure </a:t>
-            </a:r>
-            <a:r>
-              <a:rPr lang="en-US" altLang="en-US" b="1" dirty="0">
-                <a:solidFill>
-                  <a:srgbClr val="000000"/>
-                </a:solidFill>
-                <a:latin typeface="Courier New" panose="02070309020205020404" pitchFamily="49" charset="0"/>
-              </a:rPr>
-              <a:t>P2 (…) { </a:t>
-            </a:r>
-            <a:r>
-              <a:rPr lang="en-US" altLang="en-US" b="1" dirty="0" smtClean="0">
-                <a:solidFill>
-                  <a:srgbClr val="000000"/>
-                </a:solidFill>
-                <a:latin typeface="Courier New" panose="02070309020205020404" pitchFamily="49" charset="0"/>
-              </a:rPr>
-              <a:t>… </a:t>
-            </a:r>
-            <a:r>
-              <a:rPr lang="en-US" altLang="en-US" b="1" dirty="0">
-                <a:solidFill>
-                  <a:srgbClr val="000000"/>
-                </a:solidFill>
-                <a:latin typeface="Courier New" panose="02070309020205020404" pitchFamily="49" charset="0"/>
-              </a:rPr>
-              <a:t>}</a:t>
+              <a:t>	 procedure P2 (…) { … }</a:t>
             </a:r>
             <a:br>
               <a:rPr lang="en-US" altLang="en-US" b="1" dirty="0">
@@ -29066,7 +27975,7 @@
               </a:rPr>
             </a:br>
             <a:r>
-              <a:rPr lang="en-US" altLang="en-US" b="1" dirty="0" smtClean="0">
+              <a:rPr lang="en-US" altLang="en-US" b="1" dirty="0">
                 <a:solidFill>
                   <a:srgbClr val="000000"/>
                 </a:solidFill>
@@ -29090,23 +27999,8 @@
                 </a:solidFill>
                 <a:latin typeface="Courier New" panose="02070309020205020404" pitchFamily="49" charset="0"/>
               </a:rPr>
-              <a:t> (…) </a:t>
-            </a:r>
-            <a:r>
-              <a:rPr lang="en-US" altLang="en-US" b="1" dirty="0" smtClean="0">
-                <a:solidFill>
-                  <a:srgbClr val="000000"/>
-                </a:solidFill>
-                <a:latin typeface="Courier New" panose="02070309020205020404" pitchFamily="49" charset="0"/>
-              </a:rPr>
-              <a:t>{ … }</a:t>
-            </a:r>
-            <a:endParaRPr lang="en-US" altLang="en-US" b="1" dirty="0">
-              <a:solidFill>
-                <a:srgbClr val="000000"/>
-              </a:solidFill>
-              <a:latin typeface="Courier New" panose="02070309020205020404" pitchFamily="49" charset="0"/>
-            </a:endParaRPr>
+              <a:t> (…) { … }</a:t>
+            </a:r>
           </a:p>
           <a:p>
             <a:pPr lvl="2">
@@ -29117,22 +28011,13 @@
               <a:buNone/>
             </a:pPr>
             <a:r>
-              <a:rPr lang="en-US" altLang="en-US" b="1" dirty="0" smtClean="0">
-                <a:solidFill>
-                  <a:srgbClr val="000000"/>
-                </a:solidFill>
-                <a:latin typeface="Courier New" panose="02070309020205020404" pitchFamily="49" charset="0"/>
-              </a:rPr>
-              <a:t>   initialization </a:t>
-            </a:r>
-            <a:r>
               <a:rPr lang="en-US" altLang="en-US" b="1" dirty="0">
                 <a:solidFill>
                   <a:srgbClr val="000000"/>
                 </a:solidFill>
                 <a:latin typeface="Courier New" panose="02070309020205020404" pitchFamily="49" charset="0"/>
               </a:rPr>
-              <a:t>code (…) { … }</a:t>
+              <a:t>   initialization code (…) { … }</a:t>
             </a:r>
           </a:p>
           <a:p>
@@ -29415,7 +28300,7 @@
               <a:t>	 semaphore </a:t>
             </a:r>
             <a:r>
-              <a:rPr lang="en-US" altLang="en-US" sz="2400" b="1" dirty="0" err="1" smtClean="0">
+              <a:rPr lang="en-US" altLang="en-US" sz="2400" b="1" dirty="0" err="1">
                 <a:solidFill>
                   <a:srgbClr val="000000"/>
                 </a:solidFill>
@@ -29424,7 +28309,7 @@
               <a:t>mutex</a:t>
             </a:r>
             <a:r>
-              <a:rPr lang="en-US" altLang="en-US" sz="2400" b="1" dirty="0" smtClean="0">
+              <a:rPr lang="en-US" altLang="en-US" sz="2400" b="1" dirty="0">
                 <a:solidFill>
                   <a:srgbClr val="000000"/>
                 </a:solidFill>
@@ -29432,12 +28317,6 @@
               </a:rPr>
               <a:t>; </a:t>
             </a:r>
-            <a:endParaRPr lang="en-US" altLang="en-US" sz="2400" b="1" dirty="0">
-              <a:solidFill>
-                <a:srgbClr val="000000"/>
-              </a:solidFill>
-              <a:latin typeface="Courier New" panose="02070309020205020404" pitchFamily="49" charset="0"/>
-            </a:endParaRPr>
           </a:p>
           <a:p>
             <a:pPr>
@@ -29462,25 +28341,7 @@
                 </a:solidFill>
                 <a:latin typeface="Courier New" panose="02070309020205020404" pitchFamily="49" charset="0"/>
               </a:rPr>
-              <a:t>	 mutex = </a:t>
-            </a:r>
-            <a:r>
-              <a:rPr lang="en-US" altLang="en-US" sz="2400" b="1" dirty="0" smtClean="0">
-                <a:solidFill>
-                  <a:srgbClr val="000000"/>
-                </a:solidFill>
-                <a:latin typeface="Courier New" panose="02070309020205020404" pitchFamily="49" charset="0"/>
-              </a:rPr>
-              <a:t>1;</a:t>
-            </a:r>
-            <a:r>
-              <a:rPr lang="en-US" altLang="en-US" sz="2400" b="1" dirty="0">
-                <a:solidFill>
-                  <a:srgbClr val="000000"/>
-                </a:solidFill>
-                <a:latin typeface="Courier New" panose="02070309020205020404" pitchFamily="49" charset="0"/>
-              </a:rPr>
-              <a:t/>
+              <a:t>	 mutex = 1;</a:t>
             </a:r>
             <a:br>
               <a:rPr lang="en-US" altLang="en-US" sz="2400" b="1" dirty="0">
@@ -29609,25 +28470,7 @@
                 </a:solidFill>
                 <a:latin typeface="Courier New" panose="02070309020205020404" pitchFamily="49" charset="0"/>
               </a:rPr>
-              <a:t>                 </a:t>
-            </a:r>
-            <a:r>
-              <a:rPr lang="en-US" altLang="en-US" sz="2400" b="1" dirty="0" smtClean="0">
-                <a:solidFill>
-                  <a:srgbClr val="000000"/>
-                </a:solidFill>
-                <a:latin typeface="Courier New" panose="02070309020205020404" pitchFamily="49" charset="0"/>
-              </a:rPr>
-              <a:t>// </a:t>
-            </a:r>
-            <a:r>
-              <a:rPr lang="en-US" altLang="en-US" sz="2400" b="1" dirty="0">
-                <a:solidFill>
-                  <a:srgbClr val="000000"/>
-                </a:solidFill>
-                <a:latin typeface="Courier New" panose="02070309020205020404" pitchFamily="49" charset="0"/>
-              </a:rPr>
-              <a:t>body of P;</a:t>
+              <a:t>                 // body of P;</a:t>
             </a:r>
           </a:p>
           <a:p>
@@ -30268,79 +29111,39 @@
             <a:br>
               <a:rPr lang="en-US" altLang="en-US" sz="2000" dirty="0"/>
             </a:br>
-            <a:r>
-              <a:rPr lang="en-US" altLang="en-US" sz="2000" dirty="0"/>
-              <a:t/>
-            </a:r>
             <a:br>
               <a:rPr lang="en-US" altLang="en-US" sz="2000" dirty="0"/>
             </a:br>
-            <a:r>
-              <a:rPr lang="en-US" altLang="en-US" sz="2000" dirty="0"/>
-              <a:t/>
-            </a:r>
             <a:br>
               <a:rPr lang="en-US" altLang="en-US" sz="2000" dirty="0"/>
             </a:br>
-            <a:r>
-              <a:rPr lang="en-US" altLang="en-US" sz="2000" dirty="0"/>
-              <a:t/>
-            </a:r>
             <a:br>
               <a:rPr lang="en-US" altLang="en-US" sz="2000" dirty="0"/>
             </a:br>
-            <a:r>
-              <a:rPr lang="en-US" altLang="en-US" sz="2000" dirty="0"/>
-              <a:t/>
-            </a:r>
             <a:br>
               <a:rPr lang="en-US" altLang="en-US" sz="2000" dirty="0"/>
             </a:br>
-            <a:r>
-              <a:rPr lang="en-US" altLang="en-US" sz="2000" dirty="0"/>
-              <a:t/>
-            </a:r>
             <a:br>
               <a:rPr lang="en-US" altLang="en-US" sz="2000" dirty="0"/>
             </a:br>
-            <a:r>
-              <a:rPr lang="en-US" altLang="en-US" sz="2000" dirty="0"/>
-              <a:t/>
-            </a:r>
             <a:br>
               <a:rPr lang="en-US" altLang="en-US" sz="2000" dirty="0"/>
             </a:br>
-            <a:r>
-              <a:rPr lang="en-US" altLang="en-US" sz="2000" dirty="0"/>
-              <a:t/>
-            </a:r>
             <a:br>
               <a:rPr lang="en-US" altLang="en-US" sz="2000" dirty="0"/>
             </a:br>
-            <a:r>
-              <a:rPr lang="en-US" altLang="en-US" sz="2000" dirty="0"/>
-              <a:t/>
-            </a:r>
             <a:br>
               <a:rPr lang="en-US" altLang="en-US" sz="2000" dirty="0"/>
             </a:br>
-            <a:r>
-              <a:rPr lang="en-US" altLang="en-US" sz="2000" dirty="0"/>
-              <a:t/>
-            </a:r>
             <a:br>
               <a:rPr lang="en-US" altLang="en-US" sz="2000" dirty="0"/>
             </a:br>
-            <a:endParaRPr lang="en-US" altLang="en-US" sz="2000" dirty="0" smtClean="0"/>
-          </a:p>
-          <a:p>
-            <a:r>
-              <a:rPr lang="en-US" altLang="en-US" sz="2000" dirty="0" smtClean="0"/>
-              <a:t>Unless </a:t>
-            </a:r>
+            <a:endParaRPr lang="en-US" altLang="en-US" sz="2000" dirty="0"/>
+          </a:p>
+          <a:p>
             <a:r>
               <a:rPr lang="en-US" altLang="en-US" sz="2000" dirty="0"/>
-              <a:t>there is a mechanism to prevent P</a:t>
+              <a:t>Unless there is a mechanism to prevent P</a:t>
             </a:r>
             <a:r>
               <a:rPr lang="en-US" altLang="en-US" sz="2000" baseline="-25000" dirty="0"/>
@@ -30501,13 +29304,8 @@
             <a:pPr eaLnBrk="1" hangingPunct="1"/>
             <a:r>
               <a:rPr lang="en-US" altLang="en-US" dirty="0"/>
-              <a:t> Usage of Condition Variable </a:t>
-            </a:r>
-            <a:r>
-              <a:rPr lang="en-US" altLang="en-US" dirty="0" smtClean="0"/>
-              <a:t>Example</a:t>
-            </a:r>
-            <a:endParaRPr lang="en-US" altLang="en-US" dirty="0"/>
+              <a:t> Usage of Condition Variable Example</a:t>
+            </a:r>
           </a:p>
         </p:txBody>
       </p:sp>
@@ -30981,25 +29779,8 @@
                 <a:latin typeface="Courier New" panose="02070309020205020404" pitchFamily="49" charset="0"/>
                 <a:sym typeface="MT Extra" panose="05050102010205020202" pitchFamily="18" charset="2"/>
               </a:rPr>
-              <a:t>   if </a:t>
-            </a:r>
-            <a:r>
-              <a:rPr lang="en-US" altLang="en-US" sz="2000" b="1" dirty="0" smtClean="0">
-                <a:solidFill>
-                  <a:srgbClr val="000000"/>
-                </a:solidFill>
-                <a:latin typeface="Courier New" panose="02070309020205020404" pitchFamily="49" charset="0"/>
-                <a:sym typeface="MT Extra" panose="05050102010205020202" pitchFamily="18" charset="2"/>
-              </a:rPr>
-              <a:t>(done == false)</a:t>
-            </a:r>
-            <a:endParaRPr lang="en-US" altLang="en-US" sz="2000" b="1" dirty="0">
-              <a:solidFill>
-                <a:srgbClr val="000000"/>
-              </a:solidFill>
-              <a:latin typeface="Courier New" panose="02070309020205020404" pitchFamily="49" charset="0"/>
-              <a:sym typeface="MT Extra" panose="05050102010205020202" pitchFamily="18" charset="2"/>
-            </a:endParaRPr>
+              <a:t>   if (done == false)</a:t>
+            </a:r>
           </a:p>
           <a:p>
             <a:pPr lvl="2">
@@ -31030,7 +29811,7 @@
               <a:t>x.wait</a:t>
             </a:r>
             <a:r>
-              <a:rPr lang="en-US" altLang="en-US" sz="2000" b="1" dirty="0" smtClean="0">
+              <a:rPr lang="en-US" altLang="en-US" sz="2000" b="1" dirty="0">
                 <a:solidFill>
                   <a:srgbClr val="000000"/>
                 </a:solidFill>
@@ -31039,13 +29820,6 @@
               </a:rPr>
               <a:t>();</a:t>
             </a:r>
-            <a:endParaRPr lang="en-US" altLang="en-US" sz="2000" b="1" dirty="0">
-              <a:solidFill>
-                <a:srgbClr val="000000"/>
-              </a:solidFill>
-              <a:latin typeface="Courier New" panose="02070309020205020404" pitchFamily="49" charset="0"/>
-              <a:sym typeface="MT Extra" panose="05050102010205020202" pitchFamily="18" charset="2"/>
-            </a:endParaRPr>
           </a:p>
           <a:p>
             <a:pPr lvl="2">
@@ -31239,25 +30013,7 @@
                 </a:solidFill>
                 <a:latin typeface="Courier New" panose="02070309020205020404" pitchFamily="49" charset="0"/>
               </a:rPr>
-              <a:t>	</a:t>
-            </a:r>
-            <a:r>
-              <a:rPr lang="en-US" altLang="en-US" sz="2000" b="1" dirty="0" smtClean="0">
-                <a:solidFill>
-                  <a:srgbClr val="000000"/>
-                </a:solidFill>
-                <a:latin typeface="Courier New" panose="02070309020205020404" pitchFamily="49" charset="0"/>
-              </a:rPr>
-              <a:t>semaphore </a:t>
-            </a:r>
-            <a:r>
-              <a:rPr lang="en-US" altLang="en-US" sz="2000" b="1" dirty="0">
-                <a:solidFill>
-                  <a:srgbClr val="000000"/>
-                </a:solidFill>
-                <a:latin typeface="Courier New" panose="02070309020205020404" pitchFamily="49" charset="0"/>
-              </a:rPr>
-              <a:t>mutex;  // (initially  = 1)</a:t>
+              <a:t>	semaphore mutex;  // (initially  = 1)</a:t>
             </a:r>
           </a:p>
           <a:p>
@@ -31283,25 +30039,7 @@
                 </a:solidFill>
                 <a:latin typeface="Courier New" panose="02070309020205020404" pitchFamily="49" charset="0"/>
               </a:rPr>
-              <a:t>	</a:t>
-            </a:r>
-            <a:r>
-              <a:rPr lang="en-US" altLang="en-US" sz="2000" b="1" dirty="0" smtClean="0">
-                <a:solidFill>
-                  <a:srgbClr val="000000"/>
-                </a:solidFill>
-                <a:latin typeface="Courier New" panose="02070309020205020404" pitchFamily="49" charset="0"/>
-              </a:rPr>
-              <a:t>semaphore </a:t>
-            </a:r>
-            <a:r>
-              <a:rPr lang="en-US" altLang="en-US" sz="2000" b="1" dirty="0">
-                <a:solidFill>
-                  <a:srgbClr val="000000"/>
-                </a:solidFill>
-                <a:latin typeface="Courier New" panose="02070309020205020404" pitchFamily="49" charset="0"/>
-              </a:rPr>
-              <a:t>next;   // (initially  = 0)</a:t>
+              <a:t>	semaphore next;   // (initially  = 0)</a:t>
             </a:r>
           </a:p>
           <a:p>
@@ -31330,7 +30068,7 @@
               <a:t>	</a:t>
             </a:r>
             <a:r>
-              <a:rPr lang="en-US" altLang="en-US" sz="2000" b="1" dirty="0" err="1" smtClean="0">
+              <a:rPr lang="en-US" altLang="en-US" sz="2000" b="1" dirty="0" err="1">
                 <a:solidFill>
                   <a:srgbClr val="000000"/>
                 </a:solidFill>
@@ -31339,7 +30077,7 @@
               <a:t>int</a:t>
             </a:r>
             <a:r>
-              <a:rPr lang="en-US" altLang="en-US" sz="2000" b="1" dirty="0" smtClean="0">
+              <a:rPr lang="en-US" altLang="en-US" sz="2000" b="1" dirty="0">
                 <a:solidFill>
                   <a:srgbClr val="000000"/>
                 </a:solidFill>
@@ -31363,19 +30101,10 @@
                 </a:solidFill>
                 <a:latin typeface="Courier New" panose="02070309020205020404" pitchFamily="49" charset="0"/>
               </a:rPr>
-              <a:t> = 0; // number of </a:t>
-            </a:r>
-            <a:r>
-              <a:rPr lang="en-US" altLang="en-US" sz="2000" b="1" dirty="0" smtClean="0">
-                <a:solidFill>
-                  <a:srgbClr val="000000"/>
-                </a:solidFill>
-                <a:latin typeface="Courier New" panose="02070309020205020404" pitchFamily="49" charset="0"/>
-              </a:rPr>
-              <a:t>processes waiting</a:t>
-            </a:r>
-            <a:r>
-              <a:rPr lang="zh-TW" altLang="en-US" sz="2000" b="1" dirty="0" smtClean="0">
+              <a:t> = 0; // number of processes waiting</a:t>
+            </a:r>
+            <a:r>
+              <a:rPr lang="zh-TW" altLang="en-US" sz="2000" b="1" dirty="0">
                 <a:solidFill>
                   <a:srgbClr val="000000"/>
                 </a:solidFill>
@@ -31384,22 +30113,13 @@
               <a:t> </a:t>
             </a:r>
             <a:r>
-              <a:rPr lang="en-US" altLang="en-US" sz="2000" b="1" dirty="0" smtClean="0">
-                <a:solidFill>
-                  <a:srgbClr val="000000"/>
-                </a:solidFill>
-                <a:latin typeface="Courier New" panose="02070309020205020404" pitchFamily="49" charset="0"/>
-              </a:rPr>
-              <a:t>inside </a:t>
-            </a:r>
-            <a:r>
               <a:rPr lang="en-US" altLang="en-US" sz="2000" b="1" dirty="0">
                 <a:solidFill>
                   <a:srgbClr val="000000"/>
                 </a:solidFill>
                 <a:latin typeface="Courier New" panose="02070309020205020404" pitchFamily="49" charset="0"/>
               </a:rPr>
-              <a:t>the monitor</a:t>
+              <a:t>inside the monitor</a:t>
             </a:r>
             <a:br>
               <a:rPr lang="en-US" altLang="en-US" sz="2000" b="1" dirty="0">
@@ -31528,25 +30248,7 @@
                 </a:solidFill>
                 <a:latin typeface="Courier New" panose="02070309020205020404" pitchFamily="49" charset="0"/>
               </a:rPr>
-              <a:t>                   </a:t>
-            </a:r>
-            <a:r>
-              <a:rPr lang="en-US" altLang="en-US" sz="2000" b="1" dirty="0" smtClean="0">
-                <a:solidFill>
-                  <a:srgbClr val="000000"/>
-                </a:solidFill>
-                <a:latin typeface="Courier New" panose="02070309020205020404" pitchFamily="49" charset="0"/>
-              </a:rPr>
-              <a:t>// </a:t>
-            </a:r>
-            <a:r>
-              <a:rPr lang="en-US" altLang="en-US" sz="2000" b="1" dirty="0">
-                <a:solidFill>
-                  <a:srgbClr val="000000"/>
-                </a:solidFill>
-                <a:latin typeface="Courier New" panose="02070309020205020404" pitchFamily="49" charset="0"/>
-              </a:rPr>
-              <a:t>body of P;</a:t>
+              <a:t>                   // body of P;</a:t>
             </a:r>
           </a:p>
           <a:p>
@@ -31642,23 +30344,8 @@
                 </a:solidFill>
                 <a:latin typeface="Courier New" panose="02070309020205020404" pitchFamily="49" charset="0"/>
               </a:rPr>
-              <a:t>				</a:t>
-            </a:r>
-            <a:r>
-              <a:rPr lang="en-US" altLang="en-US" sz="2000" b="1" dirty="0" smtClean="0">
-                <a:solidFill>
-                  <a:srgbClr val="000000"/>
-                </a:solidFill>
-                <a:latin typeface="Courier New" panose="02070309020205020404" pitchFamily="49" charset="0"/>
-              </a:rPr>
-              <a:t> signal(next);</a:t>
-            </a:r>
-            <a:endParaRPr lang="en-US" altLang="en-US" sz="2000" b="1" dirty="0">
-              <a:solidFill>
-                <a:srgbClr val="000000"/>
-              </a:solidFill>
-              <a:latin typeface="Courier New" panose="02070309020205020404" pitchFamily="49" charset="0"/>
-            </a:endParaRPr>
+              <a:t>				 signal(next);</a:t>
+            </a:r>
           </a:p>
           <a:p>
             <a:pPr>
@@ -31709,19 +30396,10 @@
                 </a:solidFill>
                 <a:latin typeface="Courier New" panose="02070309020205020404" pitchFamily="49" charset="0"/>
               </a:rPr>
-              <a:t>			</a:t>
-            </a:r>
-            <a:r>
-              <a:rPr lang="en-US" altLang="en-US" sz="2000" b="1" dirty="0" smtClean="0">
-                <a:solidFill>
-                  <a:srgbClr val="000000"/>
-                </a:solidFill>
-                <a:latin typeface="Courier New" panose="02070309020205020404" pitchFamily="49" charset="0"/>
-              </a:rPr>
-              <a:t>  signal(</a:t>
-            </a:r>
-            <a:r>
-              <a:rPr lang="en-US" altLang="en-US" sz="2000" b="1" dirty="0" err="1" smtClean="0">
+              <a:t>			  signal(</a:t>
+            </a:r>
+            <a:r>
+              <a:rPr lang="en-US" altLang="en-US" sz="2000" b="1" dirty="0" err="1">
                 <a:solidFill>
                   <a:srgbClr val="000000"/>
                 </a:solidFill>
@@ -31882,11 +30560,7 @@
             </a:r>
             <a:r>
               <a:rPr lang="en-US" altLang="en-US" sz="2000" dirty="0"/>
-              <a:t>, we </a:t>
-            </a:r>
-            <a:r>
-              <a:rPr lang="en-US" altLang="en-US" sz="2000" dirty="0" smtClean="0"/>
-              <a:t>have</a:t>
+              <a:t>, we have</a:t>
             </a:r>
             <a:r>
               <a:rPr lang="en-US" altLang="en-US" dirty="0"/>
@@ -32979,28 +31653,8 @@
               </a:lnSpc>
             </a:pPr>
             <a:r>
-              <a:rPr lang="en-US" altLang="en-US" sz="2000" dirty="0" smtClean="0"/>
-              <a:t>Allocate </a:t>
-            </a:r>
-            <a:r>
               <a:rPr lang="en-US" altLang="en-US" sz="2000" dirty="0"/>
-              <a:t>a single resource among competing processes using priority numbers that specifies </a:t>
-            </a:r>
-            <a:r>
-              <a:rPr lang="en-US" altLang="en-US" sz="2000" dirty="0" smtClean="0"/>
-              <a:t>the </a:t>
-            </a:r>
-            <a:r>
-              <a:rPr lang="en-US" altLang="en-US" sz="2000" dirty="0"/>
-              <a:t>maximum time a </a:t>
-            </a:r>
-            <a:r>
-              <a:rPr lang="en-US" altLang="en-US" sz="2000" dirty="0" smtClean="0"/>
-              <a:t>process plans </a:t>
-            </a:r>
-            <a:r>
-              <a:rPr lang="en-US" altLang="en-US" sz="2000" dirty="0"/>
-              <a:t>to use the resource</a:t>
+              <a:t>Allocate a single resource among competing processes using priority numbers that specifies the maximum time a process plans to use the resource</a:t>
             </a:r>
           </a:p>
           <a:p>
@@ -33089,7 +31743,7 @@
               <a:buNone/>
             </a:pPr>
             <a:r>
-              <a:rPr lang="en-US" altLang="en-US" sz="2000" b="1" dirty="0" smtClean="0">
+              <a:rPr lang="en-US" altLang="en-US" sz="2000" b="1" dirty="0">
                 <a:solidFill>
                   <a:srgbClr val="000000"/>
                 </a:solidFill>
@@ -33158,43 +31812,7 @@
                 </a:solidFill>
                 <a:latin typeface="Courier New" panose="02070309020205020404" pitchFamily="49" charset="0"/>
               </a:rPr>
-              <a:t>               </a:t>
-            </a:r>
-            <a:r>
-              <a:rPr lang="en-US" altLang="en-US" sz="2000" b="1" dirty="0" smtClean="0">
-                <a:solidFill>
-                  <a:srgbClr val="000000"/>
-                </a:solidFill>
-                <a:latin typeface="Courier New" panose="02070309020205020404" pitchFamily="49" charset="0"/>
-              </a:rPr>
-              <a:t>// </a:t>
-            </a:r>
-            <a:r>
-              <a:rPr lang="en-US" altLang="en-US" sz="2000" b="1" dirty="0">
-                <a:solidFill>
-                  <a:srgbClr val="000000"/>
-                </a:solidFill>
-                <a:latin typeface="Courier New" panose="02070309020205020404" pitchFamily="49" charset="0"/>
-              </a:rPr>
-              <a:t>access the </a:t>
-            </a:r>
-            <a:r>
-              <a:rPr lang="en-US" altLang="en-US" sz="2000" b="1" dirty="0" smtClean="0">
-                <a:solidFill>
-                  <a:srgbClr val="000000"/>
-                </a:solidFill>
-                <a:latin typeface="Courier New" panose="02070309020205020404" pitchFamily="49" charset="0"/>
-              </a:rPr>
-              <a:t>resource</a:t>
-            </a:r>
-            <a:r>
-              <a:rPr lang="en-US" altLang="en-US" sz="2000" b="1" dirty="0">
-                <a:solidFill>
-                  <a:srgbClr val="000000"/>
-                </a:solidFill>
-                <a:latin typeface="Courier New" panose="02070309020205020404" pitchFamily="49" charset="0"/>
-              </a:rPr>
-              <a:t>;</a:t>
+              <a:t>               // access the resource;</a:t>
             </a:r>
           </a:p>
           <a:p>
@@ -33233,7 +31851,7 @@
               <a:t>              </a:t>
             </a:r>
             <a:r>
-              <a:rPr lang="en-US" altLang="en-US" sz="2400" b="1" dirty="0" err="1" smtClean="0">
+              <a:rPr lang="en-US" altLang="en-US" sz="2400" b="1" dirty="0" err="1">
                 <a:solidFill>
                   <a:srgbClr val="000000"/>
                 </a:solidFill>
@@ -33242,7 +31860,7 @@
               <a:t>R.release</a:t>
             </a:r>
             <a:r>
-              <a:rPr lang="en-US" altLang="en-US" sz="2400" b="1" dirty="0" smtClean="0">
+              <a:rPr lang="en-US" altLang="en-US" sz="2400" b="1" dirty="0">
                 <a:solidFill>
                   <a:srgbClr val="000000"/>
                 </a:solidFill>
@@ -33250,12 +31868,6 @@
               </a:rPr>
               <a:t>();</a:t>
             </a:r>
-            <a:endParaRPr lang="en-US" altLang="en-US" sz="2400" b="1" dirty="0">
-              <a:solidFill>
-                <a:srgbClr val="000000"/>
-              </a:solidFill>
-              <a:latin typeface="Courier New" panose="02070309020205020404" pitchFamily="49" charset="0"/>
-            </a:endParaRPr>
           </a:p>
           <a:p>
             <a:pPr>
@@ -34047,25 +32659,7 @@
                 </a:solidFill>
                 <a:latin typeface="Courier New" panose="02070309020205020404" pitchFamily="49" charset="0"/>
               </a:rPr>
-              <a:t>	 </a:t>
-            </a:r>
-            <a:r>
-              <a:rPr lang="en-US" altLang="en-US" b="1" dirty="0" smtClean="0">
-                <a:solidFill>
-                  <a:srgbClr val="000000"/>
-                </a:solidFill>
-                <a:latin typeface="Courier New" panose="02070309020205020404" pitchFamily="49" charset="0"/>
-              </a:rPr>
-              <a:t>  busy </a:t>
-            </a:r>
-            <a:r>
-              <a:rPr lang="en-US" altLang="en-US" b="1" dirty="0">
-                <a:solidFill>
-                  <a:srgbClr val="000000"/>
-                </a:solidFill>
-                <a:latin typeface="Courier New" panose="02070309020205020404" pitchFamily="49" charset="0"/>
-              </a:rPr>
-              <a:t>= false; </a:t>
+              <a:t>	   busy = false; </a:t>
             </a:r>
           </a:p>
           <a:p>
@@ -34233,19 +32827,8 @@
                 <a:latin typeface="Courier New" panose="02070309020205020404" pitchFamily="49" charset="0"/>
                 <a:cs typeface="Courier New" panose="02070309020205020404" pitchFamily="49" charset="0"/>
               </a:rPr>
-              <a:t>     </a:t>
-            </a:r>
-            <a:r>
-              <a:rPr lang="en-US" altLang="en-US" sz="2400" b="1" dirty="0" smtClean="0">
-                <a:latin typeface="Courier New" panose="02070309020205020404" pitchFamily="49" charset="0"/>
-                <a:cs typeface="Courier New" panose="02070309020205020404" pitchFamily="49" charset="0"/>
-              </a:rPr>
-              <a:t>acquire()</a:t>
-            </a:r>
-            <a:endParaRPr lang="en-US" altLang="en-US" sz="2400" b="1" dirty="0">
-              <a:latin typeface="Courier New" panose="02070309020205020404" pitchFamily="49" charset="0"/>
-              <a:cs typeface="Courier New" panose="02070309020205020404" pitchFamily="49" charset="0"/>
-            </a:endParaRPr>
+              <a:t>     acquire()</a:t>
+            </a:r>
           </a:p>
           <a:p>
             <a:pPr marL="0" indent="0">
@@ -34268,19 +32851,8 @@
                 <a:latin typeface="Courier New" panose="02070309020205020404" pitchFamily="49" charset="0"/>
                 <a:cs typeface="Courier New" panose="02070309020205020404" pitchFamily="49" charset="0"/>
               </a:rPr>
-              <a:t>     </a:t>
-            </a:r>
-            <a:r>
-              <a:rPr lang="en-US" altLang="en-US" sz="2400" b="1" dirty="0" smtClean="0">
-                <a:latin typeface="Courier New" panose="02070309020205020404" pitchFamily="49" charset="0"/>
-                <a:cs typeface="Courier New" panose="02070309020205020404" pitchFamily="49" charset="0"/>
-              </a:rPr>
-              <a:t>release()</a:t>
-            </a:r>
-            <a:endParaRPr lang="en-US" altLang="en-US" sz="2400" b="1" dirty="0">
-              <a:latin typeface="Courier New" panose="02070309020205020404" pitchFamily="49" charset="0"/>
-              <a:cs typeface="Courier New" panose="02070309020205020404" pitchFamily="49" charset="0"/>
-            </a:endParaRPr>
+              <a:t>     release()</a:t>
+            </a:r>
           </a:p>
           <a:p>
             <a:r>
@@ -34320,19 +32892,8 @@
                 <a:latin typeface="Courier New" panose="02070309020205020404" pitchFamily="49" charset="0"/>
                 <a:cs typeface="Courier New" panose="02070309020205020404" pitchFamily="49" charset="0"/>
               </a:rPr>
-              <a:t>acquire()  …  acquire</a:t>
-            </a:r>
-            <a:r>
-              <a:rPr lang="en-US" altLang="en-US" sz="2400" b="1" dirty="0" smtClean="0">
-                <a:latin typeface="Courier New" panose="02070309020205020404" pitchFamily="49" charset="0"/>
-                <a:cs typeface="Courier New" panose="02070309020205020404" pitchFamily="49" charset="0"/>
-              </a:rPr>
-              <a:t>()</a:t>
-            </a:r>
-            <a:endParaRPr lang="en-US" altLang="en-US" sz="2400" b="1" dirty="0">
-              <a:latin typeface="Courier New" panose="02070309020205020404" pitchFamily="49" charset="0"/>
-              <a:cs typeface="Courier New" panose="02070309020205020404" pitchFamily="49" charset="0"/>
-            </a:endParaRPr>
+              <a:t>acquire()  …  acquire()</a:t>
+            </a:r>
           </a:p>
           <a:p>
             <a:pPr lvl="1"/>
@@ -34466,24 +33027,14 @@
           <a:p>
             <a:r>
               <a:rPr lang="en-US" altLang="en-US" sz="2400" dirty="0"/>
-              <a:t>Processes may have to wait indefinitely while trying to acquire a synchronization tool such as a mutex lock or </a:t>
-            </a:r>
-            <a:r>
-              <a:rPr lang="en-US" altLang="en-US" sz="2400" dirty="0" smtClean="0"/>
-              <a:t>semaphore</a:t>
-            </a:r>
-            <a:endParaRPr lang="en-US" altLang="en-US" sz="2400" dirty="0"/>
+              <a:t>Processes may have to wait indefinitely while trying to acquire a synchronization tool such as a mutex lock or semaphore</a:t>
+            </a:r>
           </a:p>
           <a:p>
             <a:r>
               <a:rPr lang="en-US" altLang="en-US" sz="2400" dirty="0"/>
-              <a:t>Waiting indefinitely violates the progress and bounded-waiting criteria discussed at the beginning of this </a:t>
-            </a:r>
-            <a:r>
-              <a:rPr lang="en-US" altLang="en-US" sz="2400" dirty="0" smtClean="0"/>
-              <a:t>chapter</a:t>
-            </a:r>
-            <a:endParaRPr lang="en-US" altLang="en-US" sz="2400" dirty="0"/>
+              <a:t>Waiting indefinitely violates the progress and bounded-waiting criteria discussed at the beginning of this chapter</a:t>
+            </a:r>
           </a:p>
           <a:p>
             <a:r>
@@ -34492,24 +33043,14 @@
             </a:r>
             <a:r>
               <a:rPr lang="en-US" altLang="en-US" sz="2400" dirty="0"/>
-              <a:t> refers to a set of properties that a system must satisfy to ensure processes make </a:t>
-            </a:r>
-            <a:r>
-              <a:rPr lang="en-US" altLang="en-US" sz="2400" dirty="0" smtClean="0"/>
-              <a:t>progress</a:t>
-            </a:r>
-            <a:endParaRPr lang="en-US" altLang="en-US" sz="2400" dirty="0"/>
+              <a:t> refers to a set of properties that a system must satisfy to ensure processes make progress</a:t>
+            </a:r>
           </a:p>
           <a:p>
             <a:r>
               <a:rPr lang="en-US" altLang="en-US" sz="2400" dirty="0"/>
-              <a:t>Indefinite waiting is an example of a liveness </a:t>
-            </a:r>
-            <a:r>
-              <a:rPr lang="en-US" altLang="en-US" sz="2400" dirty="0" smtClean="0"/>
-              <a:t>failure</a:t>
-            </a:r>
-            <a:endParaRPr lang="en-US" altLang="en-US" sz="2400" dirty="0"/>
+              <a:t>Indefinite waiting is an example of a liveness failure</a:t>
+            </a:r>
           </a:p>
         </p:txBody>
       </p:sp>
@@ -34745,22 +33286,13 @@
               <a:t>	         </a:t>
             </a:r>
             <a:r>
-              <a:rPr lang="en-US" altLang="en-US" b="1" dirty="0" smtClean="0">
-                <a:solidFill>
-                  <a:srgbClr val="000000"/>
-                </a:solidFill>
-                <a:latin typeface="Courier New" panose="02070309020205020404" pitchFamily="49" charset="0"/>
-              </a:rPr>
-              <a:t>wait(S</a:t>
-            </a:r>
-            <a:r>
               <a:rPr lang="en-US" altLang="en-US" b="1" dirty="0">
                 <a:solidFill>
                   <a:srgbClr val="000000"/>
                 </a:solidFill>
                 <a:latin typeface="Courier New" panose="02070309020205020404" pitchFamily="49" charset="0"/>
               </a:rPr>
-              <a:t>); 	              wait(Q);</a:t>
+              <a:t>wait(S); 	              wait(Q);</a:t>
             </a:r>
           </a:p>
           <a:p>
@@ -34782,25 +33314,7 @@
                 </a:solidFill>
                 <a:latin typeface="Courier New" panose="02070309020205020404" pitchFamily="49" charset="0"/>
               </a:rPr>
-              <a:t>	           wait(Q); 	              </a:t>
-            </a:r>
-            <a:r>
-              <a:rPr lang="en-US" altLang="en-US" b="1" dirty="0" smtClean="0">
-                <a:solidFill>
-                  <a:srgbClr val="000000"/>
-                </a:solidFill>
-                <a:latin typeface="Courier New" panose="02070309020205020404" pitchFamily="49" charset="0"/>
-              </a:rPr>
-              <a:t> wait(S</a:t>
-            </a:r>
-            <a:r>
-              <a:rPr lang="en-US" altLang="en-US" b="1" dirty="0">
-                <a:solidFill>
-                  <a:srgbClr val="000000"/>
-                </a:solidFill>
-                <a:latin typeface="Courier New" panose="02070309020205020404" pitchFamily="49" charset="0"/>
-              </a:rPr>
-              <a:t>);</a:t>
+              <a:t>	           wait(Q); 	               wait(S);</a:t>
             </a:r>
           </a:p>
           <a:p>
@@ -34844,25 +33358,7 @@
                 </a:solidFill>
                 <a:latin typeface="Courier New" panose="02070309020205020404" pitchFamily="49" charset="0"/>
               </a:rPr>
-              <a:t>	           signal(S);             </a:t>
-            </a:r>
-            <a:r>
-              <a:rPr lang="en-US" altLang="en-US" b="1" dirty="0" smtClean="0">
-                <a:solidFill>
-                  <a:srgbClr val="000000"/>
-                </a:solidFill>
-                <a:latin typeface="Courier New" panose="02070309020205020404" pitchFamily="49" charset="0"/>
-              </a:rPr>
-              <a:t> signal(Q</a:t>
-            </a:r>
-            <a:r>
-              <a:rPr lang="en-US" altLang="en-US" b="1" dirty="0">
-                <a:solidFill>
-                  <a:srgbClr val="000000"/>
-                </a:solidFill>
-                <a:latin typeface="Courier New" panose="02070309020205020404" pitchFamily="49" charset="0"/>
-              </a:rPr>
-              <a:t>);</a:t>
+              <a:t>	           signal(S);              signal(Q);</a:t>
             </a:r>
           </a:p>
           <a:p>
@@ -34884,43 +33380,7 @@
                 </a:solidFill>
                 <a:latin typeface="Courier New" panose="02070309020205020404" pitchFamily="49" charset="0"/>
               </a:rPr>
-              <a:t>             </a:t>
-            </a:r>
-            <a:r>
-              <a:rPr lang="en-US" altLang="en-US" b="1" dirty="0" smtClean="0">
-                <a:solidFill>
-                  <a:srgbClr val="000000"/>
-                </a:solidFill>
-                <a:latin typeface="Courier New" panose="02070309020205020404" pitchFamily="49" charset="0"/>
-              </a:rPr>
-              <a:t>signal(Q</a:t>
-            </a:r>
-            <a:r>
-              <a:rPr lang="en-US" altLang="en-US" b="1" dirty="0">
-                <a:solidFill>
-                  <a:srgbClr val="000000"/>
-                </a:solidFill>
-                <a:latin typeface="Courier New" panose="02070309020205020404" pitchFamily="49" charset="0"/>
-              </a:rPr>
-              <a:t>);            </a:t>
-            </a:r>
-            <a:r>
-              <a:rPr lang="en-US" altLang="en-US" b="1" dirty="0" smtClean="0">
-                <a:solidFill>
-                  <a:srgbClr val="000000"/>
-                </a:solidFill>
-                <a:latin typeface="Courier New" panose="02070309020205020404" pitchFamily="49" charset="0"/>
-              </a:rPr>
-              <a:t>  signal(S</a:t>
-            </a:r>
-            <a:r>
-              <a:rPr lang="en-US" altLang="en-US" b="1" dirty="0">
-                <a:solidFill>
-                  <a:srgbClr val="000000"/>
-                </a:solidFill>
-                <a:latin typeface="Courier New" panose="02070309020205020404" pitchFamily="49" charset="0"/>
-              </a:rPr>
-              <a:t>);</a:t>
+              <a:t>             signal(Q);              signal(S);</a:t>
             </a:r>
           </a:p>
           <a:p>
@@ -34934,16 +33394,10 @@
               </a:tabLst>
             </a:pPr>
             <a:r>
-              <a:rPr lang="en-US" altLang="en-US" sz="2000" dirty="0" smtClean="0">
-                <a:sym typeface="MT Extra" panose="05050102010205020202" pitchFamily="18" charset="2"/>
-              </a:rPr>
-              <a:t>Consider </a:t>
-            </a:r>
-            <a:r>
               <a:rPr lang="en-US" altLang="en-US" sz="2000" dirty="0">
                 <a:sym typeface="MT Extra" panose="05050102010205020202" pitchFamily="18" charset="2"/>
               </a:rPr>
-              <a:t>if </a:t>
+              <a:t>Consider if </a:t>
             </a:r>
             <a:r>
               <a:rPr lang="en-US" altLang="en-US" sz="2000" i="1" dirty="0">
@@ -35092,17 +33546,8 @@
               <a:rPr lang="en-US" altLang="en-US" sz="2000" dirty="0">
                 <a:sym typeface="MT Extra" panose="05050102010205020202" pitchFamily="18" charset="2"/>
               </a:rPr>
-              <a:t> execute signal(S</a:t>
-            </a:r>
-            <a:r>
-              <a:rPr lang="en-US" altLang="en-US" sz="2000" dirty="0" smtClean="0">
-                <a:sym typeface="MT Extra" panose="05050102010205020202" pitchFamily="18" charset="2"/>
-              </a:rPr>
-              <a:t>)</a:t>
-            </a:r>
-            <a:endParaRPr lang="en-US" altLang="en-US" sz="2000" dirty="0">
-              <a:sym typeface="MT Extra" panose="05050102010205020202" pitchFamily="18" charset="2"/>
-            </a:endParaRPr>
+              <a:t> execute signal(S)</a:t>
+            </a:r>
           </a:p>
           <a:p>
             <a:pPr>
@@ -35165,7 +33610,7 @@
               <a:t>are </a:t>
             </a:r>
             <a:r>
-              <a:rPr lang="en-US" altLang="en-US" sz="2000" b="1" dirty="0" smtClean="0">
+              <a:rPr lang="en-US" altLang="en-US" sz="2000" b="1" dirty="0">
                 <a:sym typeface="MT Extra" panose="05050102010205020202" pitchFamily="18" charset="2"/>
               </a:rPr>
               <a:t>deadlocked</a:t>
@@ -35301,7 +33746,7 @@
           <a:p>
             <a:r>
               <a:rPr lang="en-US" altLang="en-US" sz="2400" dirty="0"/>
-              <a:t>Consider system of </a:t>
+              <a:t>Consider a system of </a:t>
             </a:r>
             <a:r>
               <a:rPr lang="en-US" altLang="en-US" sz="2400" b="1" i="1" dirty="0"/>
@@ -35611,17 +34056,9 @@
               <a:rPr lang="en-US" altLang="en-US" sz="2400" b="1" dirty="0"/>
               <a:t>priority-inheritance protocol</a:t>
             </a:r>
-            <a:r>
-              <a:rPr lang="en-US" altLang="en-US" b="1" dirty="0"/>
-              <a:t/>
-            </a:r>
             <a:br>
               <a:rPr lang="en-US" altLang="en-US" b="1" dirty="0"/>
             </a:br>
-            <a:r>
-              <a:rPr lang="en-US" altLang="en-US" b="1" dirty="0"/>
-              <a:t/>
-            </a:r>
             <a:br>
               <a:rPr lang="en-US" altLang="en-US" b="1" dirty="0"/>
             </a:br>
@@ -36625,25 +35062,8 @@
                 <a:latin typeface="Courier New" panose="02070309020205020404" pitchFamily="49" charset="0"/>
                 <a:sym typeface="MT Extra" panose="05050102010205020202" pitchFamily="18" charset="2"/>
               </a:rPr>
-              <a:t>   if </a:t>
-            </a:r>
-            <a:r>
-              <a:rPr lang="en-US" altLang="en-US" b="1" dirty="0" smtClean="0">
-                <a:solidFill>
-                  <a:srgbClr val="000000"/>
-                </a:solidFill>
-                <a:latin typeface="Courier New" panose="02070309020205020404" pitchFamily="49" charset="0"/>
-                <a:sym typeface="MT Extra" panose="05050102010205020202" pitchFamily="18" charset="2"/>
-              </a:rPr>
-              <a:t>(done == false)</a:t>
-            </a:r>
-            <a:endParaRPr lang="en-US" altLang="en-US" b="1" dirty="0">
-              <a:solidFill>
-                <a:srgbClr val="000000"/>
-              </a:solidFill>
-              <a:latin typeface="Courier New" panose="02070309020205020404" pitchFamily="49" charset="0"/>
-              <a:sym typeface="MT Extra" panose="05050102010205020202" pitchFamily="18" charset="2"/>
-            </a:endParaRPr>
+              <a:t>   if (done == false)</a:t>
+            </a:r>
           </a:p>
           <a:p>
             <a:pPr lvl="2">
@@ -36674,7 +35094,7 @@
               <a:t>x.wait</a:t>
             </a:r>
             <a:r>
-              <a:rPr lang="en-US" altLang="en-US" b="1" smtClean="0">
+              <a:rPr lang="en-US" altLang="en-US" b="1">
                 <a:solidFill>
                   <a:srgbClr val="000000"/>
                 </a:solidFill>
@@ -37061,7 +35481,7 @@
             </a:r>
             <a:r>
               <a:rPr lang="en-US" altLang="en-US" sz="2000" dirty="0"/>
-              <a:t>- If no process is executing in its critical section and there exist some processes that wish to enter their critical section, then the selection of the process that will enter the critical section next cannot be postponed indefinitely</a:t>
+              <a:t>- If no process is executing in its critical section and there exist some processes that wish to enter their critical sections, then the selection of the process that will enter the critical section next cannot be postponed indefinitely</a:t>
             </a:r>
           </a:p>
           <a:p>
@@ -37276,22 +35696,13 @@
           <a:p>
             <a:r>
               <a:rPr lang="en-US" altLang="en-US" sz="2400" dirty="0"/>
-              <a:t>Exit section:  enable </a:t>
-            </a:r>
-            <a:r>
-              <a:rPr lang="en-US" altLang="en-US" sz="2400" dirty="0" smtClean="0"/>
-              <a:t>interrupts</a:t>
-            </a:r>
-            <a:endParaRPr lang="en-US" altLang="en-US" sz="2400" dirty="0"/>
+              <a:t>Exit section:  enable interrupts</a:t>
+            </a:r>
           </a:p>
           <a:p>
             <a:r>
               <a:rPr lang="en-US" altLang="en-US" sz="2400" dirty="0"/>
-              <a:t>Will this solve the problem</a:t>
-            </a:r>
-            <a:r>
-              <a:rPr lang="en-US" altLang="en-US" sz="2400" dirty="0" smtClean="0"/>
-              <a:t>?</a:t>
+              <a:t>Will this solve the problem?</a:t>
             </a:r>
           </a:p>
           <a:p>
@@ -37304,11 +35715,7 @@
             </a:pPr>
             <a:r>
               <a:rPr lang="en-US" altLang="en-US" sz="2400" dirty="0"/>
-              <a:t>What if the critical section is code that runs for an hour</a:t>
-            </a:r>
-            <a:r>
-              <a:rPr lang="en-US" altLang="en-US" sz="2400" dirty="0" smtClean="0"/>
-              <a:t>?</a:t>
+              <a:t>What if the critical section is code that runs for an hour?</a:t>
             </a:r>
           </a:p>
           <a:p>
@@ -37321,11 +35728,7 @@
             </a:pPr>
             <a:r>
               <a:rPr lang="en-US" altLang="en-US" sz="2400" dirty="0"/>
-              <a:t>Can some processes starve – never enter their critical </a:t>
-            </a:r>
-            <a:r>
-              <a:rPr lang="en-US" altLang="en-US" sz="2400" dirty="0" smtClean="0"/>
-              <a:t>section</a:t>
+              <a:t>Can some processes starve – never enter their critical sections</a:t>
             </a:r>
           </a:p>
           <a:p>
